--- a/html/Webseite/Html Präsentation.pptx
+++ b/html/Webseite/Html Präsentation.pptx
@@ -9,6 +9,7 @@
     <p:sldId id="258" r:id="rId3"/>
     <p:sldId id="257" r:id="rId4"/>
     <p:sldId id="259" r:id="rId5"/>
+    <p:sldId id="260" r:id="rId6"/>
   </p:sldIdLst>
   <p:sldSz cx="12192000" cy="6858000"/>
   <p:notesSz cx="6858000" cy="9144000"/>
@@ -107,6 +108,11 @@
       </a:defRPr>
     </a:lvl9pPr>
   </p:defaultTextStyle>
+  <p:extLst>
+    <p:ext uri="{EFAFB233-063F-42B5-8137-9DF3F51BA10A}">
+      <p15:sldGuideLst xmlns:p15="http://schemas.microsoft.com/office/powerpoint/2012/main"/>
+    </p:ext>
+  </p:extLst>
 </p:presentation>
 </file>
 
@@ -441,7 +447,7 @@
           <a:p>
             <a:fld id="{DD4CBBBF-5AC1-42CF-B14E-7B3351EBCA17}" type="datetimeFigureOut">
               <a:rPr lang="de-DE" smtClean="0"/>
-              <a:t>22.04.2021</a:t>
+              <a:t>26.04.2021</a:t>
             </a:fld>
             <a:endParaRPr lang="de-DE"/>
           </a:p>
@@ -765,7 +771,7 @@
           <a:p>
             <a:fld id="{DD4CBBBF-5AC1-42CF-B14E-7B3351EBCA17}" type="datetimeFigureOut">
               <a:rPr lang="de-DE" smtClean="0"/>
-              <a:t>22.04.2021</a:t>
+              <a:t>26.04.2021</a:t>
             </a:fld>
             <a:endParaRPr lang="de-DE"/>
           </a:p>
@@ -1013,7 +1019,7 @@
           <a:p>
             <a:fld id="{DD4CBBBF-5AC1-42CF-B14E-7B3351EBCA17}" type="datetimeFigureOut">
               <a:rPr lang="de-DE" smtClean="0"/>
-              <a:t>22.04.2021</a:t>
+              <a:t>26.04.2021</a:t>
             </a:fld>
             <a:endParaRPr lang="de-DE"/>
           </a:p>
@@ -1352,7 +1358,7 @@
           <a:p>
             <a:fld id="{DD4CBBBF-5AC1-42CF-B14E-7B3351EBCA17}" type="datetimeFigureOut">
               <a:rPr lang="de-DE" smtClean="0"/>
-              <a:t>22.04.2021</a:t>
+              <a:t>26.04.2021</a:t>
             </a:fld>
             <a:endParaRPr lang="de-DE"/>
           </a:p>
@@ -1699,7 +1705,7 @@
           <a:p>
             <a:fld id="{DD4CBBBF-5AC1-42CF-B14E-7B3351EBCA17}" type="datetimeFigureOut">
               <a:rPr lang="de-DE" smtClean="0"/>
-              <a:t>22.04.2021</a:t>
+              <a:t>26.04.2021</a:t>
             </a:fld>
             <a:endParaRPr lang="de-DE"/>
           </a:p>
@@ -2073,7 +2079,7 @@
           <a:p>
             <a:fld id="{DD4CBBBF-5AC1-42CF-B14E-7B3351EBCA17}" type="datetimeFigureOut">
               <a:rPr lang="de-DE" smtClean="0"/>
-              <a:t>22.04.2021</a:t>
+              <a:t>26.04.2021</a:t>
             </a:fld>
             <a:endParaRPr lang="de-DE"/>
           </a:p>
@@ -2543,7 +2549,7 @@
           <a:p>
             <a:fld id="{DD4CBBBF-5AC1-42CF-B14E-7B3351EBCA17}" type="datetimeFigureOut">
               <a:rPr lang="de-DE" smtClean="0"/>
-              <a:t>22.04.2021</a:t>
+              <a:t>26.04.2021</a:t>
             </a:fld>
             <a:endParaRPr lang="de-DE"/>
           </a:p>
@@ -2748,7 +2754,7 @@
           <a:p>
             <a:fld id="{DD4CBBBF-5AC1-42CF-B14E-7B3351EBCA17}" type="datetimeFigureOut">
               <a:rPr lang="de-DE" smtClean="0"/>
-              <a:t>22.04.2021</a:t>
+              <a:t>26.04.2021</a:t>
             </a:fld>
             <a:endParaRPr lang="de-DE"/>
           </a:p>
@@ -2959,7 +2965,7 @@
           <a:p>
             <a:fld id="{DD4CBBBF-5AC1-42CF-B14E-7B3351EBCA17}" type="datetimeFigureOut">
               <a:rPr lang="de-DE" smtClean="0"/>
-              <a:t>22.04.2021</a:t>
+              <a:t>26.04.2021</a:t>
             </a:fld>
             <a:endParaRPr lang="de-DE"/>
           </a:p>
@@ -3191,7 +3197,7 @@
           <a:p>
             <a:fld id="{DD4CBBBF-5AC1-42CF-B14E-7B3351EBCA17}" type="datetimeFigureOut">
               <a:rPr lang="de-DE" smtClean="0"/>
-              <a:t>22.04.2021</a:t>
+              <a:t>26.04.2021</a:t>
             </a:fld>
             <a:endParaRPr lang="de-DE"/>
           </a:p>
@@ -3439,7 +3445,7 @@
           <a:p>
             <a:fld id="{DD4CBBBF-5AC1-42CF-B14E-7B3351EBCA17}" type="datetimeFigureOut">
               <a:rPr lang="de-DE" smtClean="0"/>
-              <a:t>22.04.2021</a:t>
+              <a:t>26.04.2021</a:t>
             </a:fld>
             <a:endParaRPr lang="de-DE"/>
           </a:p>
@@ -3737,7 +3743,7 @@
           <a:p>
             <a:fld id="{DD4CBBBF-5AC1-42CF-B14E-7B3351EBCA17}" type="datetimeFigureOut">
               <a:rPr lang="de-DE" smtClean="0"/>
-              <a:t>22.04.2021</a:t>
+              <a:t>26.04.2021</a:t>
             </a:fld>
             <a:endParaRPr lang="de-DE"/>
           </a:p>
@@ -4131,7 +4137,7 @@
           <a:p>
             <a:fld id="{DD4CBBBF-5AC1-42CF-B14E-7B3351EBCA17}" type="datetimeFigureOut">
               <a:rPr lang="de-DE" smtClean="0"/>
-              <a:t>22.04.2021</a:t>
+              <a:t>26.04.2021</a:t>
             </a:fld>
             <a:endParaRPr lang="de-DE"/>
           </a:p>
@@ -4280,7 +4286,7 @@
           <a:p>
             <a:fld id="{DD4CBBBF-5AC1-42CF-B14E-7B3351EBCA17}" type="datetimeFigureOut">
               <a:rPr lang="de-DE" smtClean="0"/>
-              <a:t>22.04.2021</a:t>
+              <a:t>26.04.2021</a:t>
             </a:fld>
             <a:endParaRPr lang="de-DE"/>
           </a:p>
@@ -4406,7 +4412,7 @@
           <a:p>
             <a:fld id="{DD4CBBBF-5AC1-42CF-B14E-7B3351EBCA17}" type="datetimeFigureOut">
               <a:rPr lang="de-DE" smtClean="0"/>
-              <a:t>22.04.2021</a:t>
+              <a:t>26.04.2021</a:t>
             </a:fld>
             <a:endParaRPr lang="de-DE"/>
           </a:p>
@@ -4661,7 +4667,7 @@
           <a:p>
             <a:fld id="{DD4CBBBF-5AC1-42CF-B14E-7B3351EBCA17}" type="datetimeFigureOut">
               <a:rPr lang="de-DE" smtClean="0"/>
-              <a:t>22.04.2021</a:t>
+              <a:t>26.04.2021</a:t>
             </a:fld>
             <a:endParaRPr lang="de-DE"/>
           </a:p>
@@ -4976,7 +4982,7 @@
           <a:p>
             <a:fld id="{DD4CBBBF-5AC1-42CF-B14E-7B3351EBCA17}" type="datetimeFigureOut">
               <a:rPr lang="de-DE" smtClean="0"/>
-              <a:t>22.04.2021</a:t>
+              <a:t>26.04.2021</a:t>
             </a:fld>
             <a:endParaRPr lang="de-DE"/>
           </a:p>
@@ -5327,7 +5333,7 @@
           <a:p>
             <a:fld id="{DD4CBBBF-5AC1-42CF-B14E-7B3351EBCA17}" type="datetimeFigureOut">
               <a:rPr lang="de-DE" smtClean="0"/>
-              <a:t>22.04.2021</a:t>
+              <a:t>26.04.2021</a:t>
             </a:fld>
             <a:endParaRPr lang="de-DE"/>
           </a:p>
@@ -6007,7 +6013,30 @@
           <a:bodyPr/>
           <a:lstStyle/>
           <a:p>
-            <a:endParaRPr lang="de-DE"/>
+            <a:r>
+              <a:rPr lang="de-DE" dirty="0" err="1" smtClean="0"/>
+              <a:t>Html</a:t>
+            </a:r>
+            <a:r>
+              <a:rPr lang="de-DE" dirty="0" smtClean="0"/>
+              <a:t> Bausteine</a:t>
+            </a:r>
+            <a:endParaRPr lang="de-DE" dirty="0" smtClean="0"/>
+          </a:p>
+          <a:p>
+            <a:r>
+              <a:rPr lang="de-DE" dirty="0" smtClean="0"/>
+              <a:t>Thema</a:t>
+            </a:r>
+          </a:p>
+          <a:p>
+            <a:r>
+              <a:rPr lang="de-DE" dirty="0" smtClean="0"/>
+              <a:t>Setup</a:t>
+            </a:r>
+          </a:p>
+          <a:p>
+            <a:endParaRPr lang="de-DE" dirty="0"/>
           </a:p>
         </p:txBody>
       </p:sp>
@@ -6043,14 +6072,14 @@
       </p:grpSpPr>
       <p:sp>
         <p:nvSpPr>
-          <p:cNvPr id="3" name="Textfeld 2"/>
+          <p:cNvPr id="2" name="Textfeld 1"/>
           <p:cNvSpPr txBox="1"/>
           <p:nvPr/>
         </p:nvSpPr>
         <p:spPr>
           <a:xfrm>
-            <a:off x="1334814" y="1072055"/>
-            <a:ext cx="9616965" cy="584775"/>
+            <a:off x="1208690" y="1177159"/>
+            <a:ext cx="9144000" cy="523220"/>
           </a:xfrm>
           <a:prstGeom prst="rect">
             <a:avLst/>
@@ -6064,10 +6093,165 @@
           <a:lstStyle/>
           <a:p>
             <a:r>
-              <a:rPr lang="de-DE" sz="3200" dirty="0" smtClean="0"/>
-              <a:t>Ich widme diese Präsentation 7 Herausragenden Sportlern</a:t>
-            </a:r>
-            <a:endParaRPr lang="de-DE" sz="3200" dirty="0"/>
+              <a:rPr lang="de-DE" sz="2800" dirty="0" err="1" smtClean="0"/>
+              <a:t>Html</a:t>
+            </a:r>
+            <a:r>
+              <a:rPr lang="de-DE" sz="2800" dirty="0" smtClean="0"/>
+              <a:t> Bausteine</a:t>
+            </a:r>
+            <a:endParaRPr lang="de-DE" sz="2800" dirty="0"/>
+          </a:p>
+        </p:txBody>
+      </p:sp>
+      <p:sp>
+        <p:nvSpPr>
+          <p:cNvPr id="4" name="Textfeld 3"/>
+          <p:cNvSpPr txBox="1"/>
+          <p:nvPr/>
+        </p:nvSpPr>
+        <p:spPr>
+          <a:xfrm>
+            <a:off x="1313793" y="1944414"/>
+            <a:ext cx="6547945" cy="3970318"/>
+          </a:xfrm>
+          <a:prstGeom prst="rect">
+            <a:avLst/>
+          </a:prstGeom>
+          <a:noFill/>
+        </p:spPr>
+        <p:txBody>
+          <a:bodyPr wrap="square" rtlCol="0">
+            <a:spAutoFit/>
+          </a:bodyPr>
+          <a:lstStyle/>
+          <a:p>
+            <a:pPr marL="285750" indent="-285750">
+              <a:buFont typeface="Arial" panose="020B0604020202020204" pitchFamily="34" charset="0"/>
+              <a:buChar char="•"/>
+            </a:pPr>
+            <a:r>
+              <a:rPr lang="de-DE" dirty="0" smtClean="0"/>
+              <a:t>Habe Html5 benutzt/</a:t>
+            </a:r>
+            <a:r>
+              <a:rPr lang="de-DE" dirty="0"/>
+              <a:t>Visual Studio </a:t>
+            </a:r>
+            <a:r>
+              <a:rPr lang="de-DE" dirty="0" smtClean="0"/>
+              <a:t>Code</a:t>
+            </a:r>
+            <a:endParaRPr lang="de-DE" dirty="0"/>
+          </a:p>
+          <a:p>
+            <a:pPr marL="285750" indent="-285750">
+              <a:buFont typeface="Arial" panose="020B0604020202020204" pitchFamily="34" charset="0"/>
+              <a:buChar char="•"/>
+            </a:pPr>
+            <a:r>
+              <a:rPr lang="de-DE" dirty="0" err="1" smtClean="0"/>
+              <a:t>Css</a:t>
+            </a:r>
+            <a:endParaRPr lang="de-DE" dirty="0"/>
+          </a:p>
+          <a:p>
+            <a:pPr marL="285750" indent="-285750">
+              <a:buFont typeface="Arial" panose="020B0604020202020204" pitchFamily="34" charset="0"/>
+              <a:buChar char="•"/>
+            </a:pPr>
+            <a:r>
+              <a:rPr lang="de-DE" dirty="0" smtClean="0"/>
+              <a:t>Java Script</a:t>
+            </a:r>
+          </a:p>
+          <a:p>
+            <a:pPr marL="285750" indent="-285750">
+              <a:buFont typeface="Arial" panose="020B0604020202020204" pitchFamily="34" charset="0"/>
+              <a:buChar char="•"/>
+            </a:pPr>
+            <a:r>
+              <a:rPr lang="de-DE" dirty="0" smtClean="0"/>
+              <a:t>Webseite</a:t>
+            </a:r>
+          </a:p>
+          <a:p>
+            <a:pPr marL="285750" indent="-285750">
+              <a:buFont typeface="Arial" panose="020B0604020202020204" pitchFamily="34" charset="0"/>
+              <a:buChar char="•"/>
+            </a:pPr>
+            <a:r>
+              <a:rPr lang="de-DE" dirty="0" smtClean="0"/>
+              <a:t>Buttons </a:t>
+            </a:r>
+          </a:p>
+          <a:p>
+            <a:pPr marL="285750" indent="-285750">
+              <a:buFont typeface="Arial" panose="020B0604020202020204" pitchFamily="34" charset="0"/>
+              <a:buChar char="•"/>
+            </a:pPr>
+            <a:r>
+              <a:rPr lang="de-DE" dirty="0" smtClean="0"/>
+              <a:t>Video</a:t>
+            </a:r>
+          </a:p>
+          <a:p>
+            <a:pPr marL="285750" indent="-285750">
+              <a:buFont typeface="Arial" panose="020B0604020202020204" pitchFamily="34" charset="0"/>
+              <a:buChar char="•"/>
+            </a:pPr>
+            <a:r>
+              <a:rPr lang="de-DE" dirty="0" smtClean="0"/>
+              <a:t>Bilder</a:t>
+            </a:r>
+          </a:p>
+          <a:p>
+            <a:pPr marL="285750" indent="-285750">
+              <a:buFont typeface="Arial" panose="020B0604020202020204" pitchFamily="34" charset="0"/>
+              <a:buChar char="•"/>
+            </a:pPr>
+            <a:r>
+              <a:rPr lang="de-DE" dirty="0" smtClean="0"/>
+              <a:t>Text</a:t>
+            </a:r>
+          </a:p>
+          <a:p>
+            <a:pPr marL="285750" indent="-285750">
+              <a:buFont typeface="Arial" panose="020B0604020202020204" pitchFamily="34" charset="0"/>
+              <a:buChar char="•"/>
+            </a:pPr>
+            <a:endParaRPr lang="de-DE" dirty="0" smtClean="0"/>
+          </a:p>
+          <a:p>
+            <a:pPr marL="285750" indent="-285750">
+              <a:buFont typeface="Arial" panose="020B0604020202020204" pitchFamily="34" charset="0"/>
+              <a:buChar char="•"/>
+            </a:pPr>
+            <a:endParaRPr lang="de-DE" dirty="0" smtClean="0"/>
+          </a:p>
+          <a:p>
+            <a:pPr marL="285750" indent="-285750">
+              <a:buFont typeface="Arial" panose="020B0604020202020204" pitchFamily="34" charset="0"/>
+              <a:buChar char="•"/>
+            </a:pPr>
+            <a:endParaRPr lang="de-DE" dirty="0" smtClean="0"/>
+          </a:p>
+          <a:p>
+            <a:pPr marL="285750" indent="-285750">
+              <a:buFont typeface="Arial" panose="020B0604020202020204" pitchFamily="34" charset="0"/>
+              <a:buChar char="•"/>
+            </a:pPr>
+            <a:endParaRPr lang="de-DE" dirty="0" smtClean="0"/>
+          </a:p>
+          <a:p>
+            <a:pPr marL="285750" indent="-285750">
+              <a:buFont typeface="Arial" panose="020B0604020202020204" pitchFamily="34" charset="0"/>
+              <a:buChar char="•"/>
+            </a:pPr>
+            <a:endParaRPr lang="de-DE" dirty="0" smtClean="0"/>
+          </a:p>
+          <a:p>
+            <a:endParaRPr lang="de-DE" dirty="0"/>
           </a:p>
         </p:txBody>
       </p:sp>
@@ -6101,10 +6285,293 @@
           <a:chExt cx="0" cy="0"/>
         </a:xfrm>
       </p:grpSpPr>
+      <p:sp>
+        <p:nvSpPr>
+          <p:cNvPr id="2" name="Textfeld 1"/>
+          <p:cNvSpPr txBox="1"/>
+          <p:nvPr/>
+        </p:nvSpPr>
+        <p:spPr>
+          <a:xfrm>
+            <a:off x="1355834" y="1271752"/>
+            <a:ext cx="7966842" cy="523220"/>
+          </a:xfrm>
+          <a:prstGeom prst="rect">
+            <a:avLst/>
+          </a:prstGeom>
+          <a:noFill/>
+        </p:spPr>
+        <p:txBody>
+          <a:bodyPr wrap="square" rtlCol="0">
+            <a:spAutoFit/>
+          </a:bodyPr>
+          <a:lstStyle/>
+          <a:p>
+            <a:r>
+              <a:rPr lang="de-DE" sz="2800" dirty="0" smtClean="0"/>
+              <a:t>Thema</a:t>
+            </a:r>
+            <a:endParaRPr lang="de-DE" sz="2800" dirty="0"/>
+          </a:p>
+        </p:txBody>
+      </p:sp>
+      <p:sp>
+        <p:nvSpPr>
+          <p:cNvPr id="3" name="Textfeld 2"/>
+          <p:cNvSpPr txBox="1"/>
+          <p:nvPr/>
+        </p:nvSpPr>
+        <p:spPr>
+          <a:xfrm>
+            <a:off x="1555531" y="2228193"/>
+            <a:ext cx="6936828" cy="2862322"/>
+          </a:xfrm>
+          <a:prstGeom prst="rect">
+            <a:avLst/>
+          </a:prstGeom>
+          <a:noFill/>
+        </p:spPr>
+        <p:txBody>
+          <a:bodyPr wrap="square" rtlCol="0">
+            <a:spAutoFit/>
+          </a:bodyPr>
+          <a:lstStyle/>
+          <a:p>
+            <a:pPr marL="285750" indent="-285750">
+              <a:buFont typeface="Arial" panose="020B0604020202020204" pitchFamily="34" charset="0"/>
+              <a:buChar char="•"/>
+            </a:pPr>
+            <a:r>
+              <a:rPr lang="de-DE" dirty="0" smtClean="0"/>
+              <a:t>Boxen</a:t>
+            </a:r>
+          </a:p>
+          <a:p>
+            <a:pPr marL="285750" indent="-285750">
+              <a:buFont typeface="Arial" panose="020B0604020202020204" pitchFamily="34" charset="0"/>
+              <a:buChar char="•"/>
+            </a:pPr>
+            <a:r>
+              <a:rPr lang="de-DE" dirty="0" smtClean="0"/>
+              <a:t>7 Sportler</a:t>
+            </a:r>
+          </a:p>
+          <a:p>
+            <a:pPr marL="285750" indent="-285750">
+              <a:buFont typeface="Arial" panose="020B0604020202020204" pitchFamily="34" charset="0"/>
+              <a:buChar char="•"/>
+            </a:pPr>
+            <a:r>
+              <a:rPr lang="de-DE" dirty="0" err="1" smtClean="0"/>
+              <a:t>Kostya</a:t>
+            </a:r>
+            <a:r>
+              <a:rPr lang="de-DE" dirty="0" smtClean="0"/>
+              <a:t> </a:t>
+            </a:r>
+            <a:r>
+              <a:rPr lang="de-DE" dirty="0" err="1" smtClean="0"/>
+              <a:t>Tszyu</a:t>
+            </a:r>
+            <a:endParaRPr lang="de-DE" dirty="0" smtClean="0"/>
+          </a:p>
+          <a:p>
+            <a:pPr marL="285750" indent="-285750">
+              <a:buFont typeface="Arial" panose="020B0604020202020204" pitchFamily="34" charset="0"/>
+              <a:buChar char="•"/>
+            </a:pPr>
+            <a:r>
+              <a:rPr lang="de-DE" dirty="0" smtClean="0"/>
+              <a:t>Muhamed Ali</a:t>
+            </a:r>
+          </a:p>
+          <a:p>
+            <a:pPr marL="285750" indent="-285750">
+              <a:buFont typeface="Arial" panose="020B0604020202020204" pitchFamily="34" charset="0"/>
+              <a:buChar char="•"/>
+            </a:pPr>
+            <a:r>
+              <a:rPr lang="de-DE" dirty="0" smtClean="0"/>
+              <a:t>Danny Green</a:t>
+            </a:r>
+          </a:p>
+          <a:p>
+            <a:pPr marL="285750" indent="-285750">
+              <a:buFont typeface="Arial" panose="020B0604020202020204" pitchFamily="34" charset="0"/>
+              <a:buChar char="•"/>
+            </a:pPr>
+            <a:r>
+              <a:rPr lang="de-DE" dirty="0" smtClean="0"/>
+              <a:t>Mike Tyson</a:t>
+            </a:r>
+          </a:p>
+          <a:p>
+            <a:pPr marL="285750" indent="-285750">
+              <a:buFont typeface="Arial" panose="020B0604020202020204" pitchFamily="34" charset="0"/>
+              <a:buChar char="•"/>
+            </a:pPr>
+            <a:r>
+              <a:rPr lang="de-DE" dirty="0" err="1" smtClean="0"/>
+              <a:t>Cannelo</a:t>
+            </a:r>
+            <a:r>
+              <a:rPr lang="de-DE" dirty="0" smtClean="0"/>
+              <a:t> Alvarez</a:t>
+            </a:r>
+          </a:p>
+          <a:p>
+            <a:pPr marL="285750" indent="-285750">
+              <a:buFont typeface="Arial" panose="020B0604020202020204" pitchFamily="34" charset="0"/>
+              <a:buChar char="•"/>
+            </a:pPr>
+            <a:r>
+              <a:rPr lang="de-DE" dirty="0" smtClean="0"/>
+              <a:t>Oscar De le </a:t>
+            </a:r>
+            <a:r>
+              <a:rPr lang="de-DE" dirty="0" err="1" smtClean="0"/>
+              <a:t>hoya</a:t>
+            </a:r>
+            <a:endParaRPr lang="de-DE" dirty="0" smtClean="0"/>
+          </a:p>
+          <a:p>
+            <a:pPr marL="285750" indent="-285750">
+              <a:buFont typeface="Arial" panose="020B0604020202020204" pitchFamily="34" charset="0"/>
+              <a:buChar char="•"/>
+            </a:pPr>
+            <a:r>
+              <a:rPr lang="de-DE" dirty="0" smtClean="0"/>
+              <a:t>Felix Trinidad</a:t>
+            </a:r>
+          </a:p>
+          <a:p>
+            <a:endParaRPr lang="de-DE" dirty="0"/>
+          </a:p>
+        </p:txBody>
+      </p:sp>
     </p:spTree>
     <p:extLst>
       <p:ext uri="{BB962C8B-B14F-4D97-AF65-F5344CB8AC3E}">
         <p14:creationId xmlns:p14="http://schemas.microsoft.com/office/powerpoint/2010/main" val="3519422880"/>
+      </p:ext>
+    </p:extLst>
+  </p:cSld>
+  <p:clrMapOvr>
+    <a:masterClrMapping/>
+  </p:clrMapOvr>
+</p:sld>
+</file>
+
+<file path=ppt/slides/slide5.xml><?xml version="1.0" encoding="utf-8"?>
+<p:sld xmlns:a="http://schemas.openxmlformats.org/drawingml/2006/main" xmlns:r="http://schemas.openxmlformats.org/officeDocument/2006/relationships" xmlns:p="http://schemas.openxmlformats.org/presentationml/2006/main">
+  <p:cSld>
+    <p:spTree>
+      <p:nvGrpSpPr>
+        <p:cNvPr id="1" name=""/>
+        <p:cNvGrpSpPr/>
+        <p:nvPr/>
+      </p:nvGrpSpPr>
+      <p:grpSpPr>
+        <a:xfrm>
+          <a:off x="0" y="0"/>
+          <a:ext cx="0" cy="0"/>
+          <a:chOff x="0" y="0"/>
+          <a:chExt cx="0" cy="0"/>
+        </a:xfrm>
+      </p:grpSpPr>
+      <p:sp>
+        <p:nvSpPr>
+          <p:cNvPr id="2" name="Textfeld 1"/>
+          <p:cNvSpPr txBox="1"/>
+          <p:nvPr/>
+        </p:nvSpPr>
+        <p:spPr>
+          <a:xfrm>
+            <a:off x="1734207" y="1313793"/>
+            <a:ext cx="7126014" cy="369332"/>
+          </a:xfrm>
+          <a:prstGeom prst="rect">
+            <a:avLst/>
+          </a:prstGeom>
+          <a:noFill/>
+        </p:spPr>
+        <p:txBody>
+          <a:bodyPr wrap="square" rtlCol="0">
+            <a:spAutoFit/>
+          </a:bodyPr>
+          <a:lstStyle/>
+          <a:p>
+            <a:r>
+              <a:rPr lang="de-DE" dirty="0" smtClean="0"/>
+              <a:t>Setup</a:t>
+            </a:r>
+            <a:endParaRPr lang="de-DE" dirty="0"/>
+          </a:p>
+        </p:txBody>
+      </p:sp>
+      <p:sp>
+        <p:nvSpPr>
+          <p:cNvPr id="3" name="Textfeld 2"/>
+          <p:cNvSpPr txBox="1"/>
+          <p:nvPr/>
+        </p:nvSpPr>
+        <p:spPr>
+          <a:xfrm>
+            <a:off x="1734207" y="2217683"/>
+            <a:ext cx="6190593" cy="2031325"/>
+          </a:xfrm>
+          <a:prstGeom prst="rect">
+            <a:avLst/>
+          </a:prstGeom>
+          <a:noFill/>
+        </p:spPr>
+        <p:txBody>
+          <a:bodyPr wrap="square" rtlCol="0">
+            <a:spAutoFit/>
+          </a:bodyPr>
+          <a:lstStyle/>
+          <a:p>
+            <a:r>
+              <a:rPr lang="de-DE" dirty="0" smtClean="0"/>
+              <a:t>9 Seiten</a:t>
+            </a:r>
+          </a:p>
+          <a:p>
+            <a:r>
+              <a:rPr lang="de-DE" dirty="0" smtClean="0"/>
+              <a:t>Index</a:t>
+            </a:r>
+          </a:p>
+          <a:p>
+            <a:r>
+              <a:rPr lang="de-DE" dirty="0" smtClean="0"/>
+              <a:t>Individuelle Sportler eine Seite</a:t>
+            </a:r>
+          </a:p>
+          <a:p>
+            <a:r>
+              <a:rPr lang="de-DE" dirty="0" smtClean="0"/>
+              <a:t>Bilder Galerie</a:t>
+            </a:r>
+          </a:p>
+          <a:p>
+            <a:r>
+              <a:rPr lang="de-DE" dirty="0" smtClean="0"/>
+              <a:t>Formular</a:t>
+            </a:r>
+          </a:p>
+          <a:p>
+            <a:endParaRPr lang="de-DE" dirty="0" smtClean="0"/>
+          </a:p>
+          <a:p>
+            <a:endParaRPr lang="de-DE" dirty="0"/>
+          </a:p>
+        </p:txBody>
+      </p:sp>
+    </p:spTree>
+    <p:extLst>
+      <p:ext uri="{BB962C8B-B14F-4D97-AF65-F5344CB8AC3E}">
+        <p14:creationId xmlns:p14="http://schemas.microsoft.com/office/powerpoint/2010/main" val="1428357928"/>
       </p:ext>
     </p:extLst>
   </p:cSld>

--- a/html/Webseite/Html Präsentation.pptx
+++ b/html/Webseite/Html Präsentation.pptx
@@ -8,8 +8,8 @@
     <p:sldId id="256" r:id="rId2"/>
     <p:sldId id="258" r:id="rId3"/>
     <p:sldId id="257" r:id="rId4"/>
-    <p:sldId id="259" r:id="rId5"/>
-    <p:sldId id="260" r:id="rId6"/>
+    <p:sldId id="261" r:id="rId5"/>
+    <p:sldId id="259" r:id="rId6"/>
   </p:sldIdLst>
   <p:sldSz cx="12192000" cy="6858000"/>
   <p:notesSz cx="6858000" cy="9144000"/>
@@ -447,7 +447,7 @@
           <a:p>
             <a:fld id="{DD4CBBBF-5AC1-42CF-B14E-7B3351EBCA17}" type="datetimeFigureOut">
               <a:rPr lang="de-DE" smtClean="0"/>
-              <a:t>26.04.2021</a:t>
+              <a:t>27.04.2021</a:t>
             </a:fld>
             <a:endParaRPr lang="de-DE"/>
           </a:p>
@@ -771,7 +771,7 @@
           <a:p>
             <a:fld id="{DD4CBBBF-5AC1-42CF-B14E-7B3351EBCA17}" type="datetimeFigureOut">
               <a:rPr lang="de-DE" smtClean="0"/>
-              <a:t>26.04.2021</a:t>
+              <a:t>27.04.2021</a:t>
             </a:fld>
             <a:endParaRPr lang="de-DE"/>
           </a:p>
@@ -1019,7 +1019,7 @@
           <a:p>
             <a:fld id="{DD4CBBBF-5AC1-42CF-B14E-7B3351EBCA17}" type="datetimeFigureOut">
               <a:rPr lang="de-DE" smtClean="0"/>
-              <a:t>26.04.2021</a:t>
+              <a:t>27.04.2021</a:t>
             </a:fld>
             <a:endParaRPr lang="de-DE"/>
           </a:p>
@@ -1358,7 +1358,7 @@
           <a:p>
             <a:fld id="{DD4CBBBF-5AC1-42CF-B14E-7B3351EBCA17}" type="datetimeFigureOut">
               <a:rPr lang="de-DE" smtClean="0"/>
-              <a:t>26.04.2021</a:t>
+              <a:t>27.04.2021</a:t>
             </a:fld>
             <a:endParaRPr lang="de-DE"/>
           </a:p>
@@ -1705,7 +1705,7 @@
           <a:p>
             <a:fld id="{DD4CBBBF-5AC1-42CF-B14E-7B3351EBCA17}" type="datetimeFigureOut">
               <a:rPr lang="de-DE" smtClean="0"/>
-              <a:t>26.04.2021</a:t>
+              <a:t>27.04.2021</a:t>
             </a:fld>
             <a:endParaRPr lang="de-DE"/>
           </a:p>
@@ -2079,7 +2079,7 @@
           <a:p>
             <a:fld id="{DD4CBBBF-5AC1-42CF-B14E-7B3351EBCA17}" type="datetimeFigureOut">
               <a:rPr lang="de-DE" smtClean="0"/>
-              <a:t>26.04.2021</a:t>
+              <a:t>27.04.2021</a:t>
             </a:fld>
             <a:endParaRPr lang="de-DE"/>
           </a:p>
@@ -2549,7 +2549,7 @@
           <a:p>
             <a:fld id="{DD4CBBBF-5AC1-42CF-B14E-7B3351EBCA17}" type="datetimeFigureOut">
               <a:rPr lang="de-DE" smtClean="0"/>
-              <a:t>26.04.2021</a:t>
+              <a:t>27.04.2021</a:t>
             </a:fld>
             <a:endParaRPr lang="de-DE"/>
           </a:p>
@@ -2754,7 +2754,7 @@
           <a:p>
             <a:fld id="{DD4CBBBF-5AC1-42CF-B14E-7B3351EBCA17}" type="datetimeFigureOut">
               <a:rPr lang="de-DE" smtClean="0"/>
-              <a:t>26.04.2021</a:t>
+              <a:t>27.04.2021</a:t>
             </a:fld>
             <a:endParaRPr lang="de-DE"/>
           </a:p>
@@ -2965,7 +2965,7 @@
           <a:p>
             <a:fld id="{DD4CBBBF-5AC1-42CF-B14E-7B3351EBCA17}" type="datetimeFigureOut">
               <a:rPr lang="de-DE" smtClean="0"/>
-              <a:t>26.04.2021</a:t>
+              <a:t>27.04.2021</a:t>
             </a:fld>
             <a:endParaRPr lang="de-DE"/>
           </a:p>
@@ -3197,7 +3197,7 @@
           <a:p>
             <a:fld id="{DD4CBBBF-5AC1-42CF-B14E-7B3351EBCA17}" type="datetimeFigureOut">
               <a:rPr lang="de-DE" smtClean="0"/>
-              <a:t>26.04.2021</a:t>
+              <a:t>27.04.2021</a:t>
             </a:fld>
             <a:endParaRPr lang="de-DE"/>
           </a:p>
@@ -3445,7 +3445,7 @@
           <a:p>
             <a:fld id="{DD4CBBBF-5AC1-42CF-B14E-7B3351EBCA17}" type="datetimeFigureOut">
               <a:rPr lang="de-DE" smtClean="0"/>
-              <a:t>26.04.2021</a:t>
+              <a:t>27.04.2021</a:t>
             </a:fld>
             <a:endParaRPr lang="de-DE"/>
           </a:p>
@@ -3743,7 +3743,7 @@
           <a:p>
             <a:fld id="{DD4CBBBF-5AC1-42CF-B14E-7B3351EBCA17}" type="datetimeFigureOut">
               <a:rPr lang="de-DE" smtClean="0"/>
-              <a:t>26.04.2021</a:t>
+              <a:t>27.04.2021</a:t>
             </a:fld>
             <a:endParaRPr lang="de-DE"/>
           </a:p>
@@ -4137,7 +4137,7 @@
           <a:p>
             <a:fld id="{DD4CBBBF-5AC1-42CF-B14E-7B3351EBCA17}" type="datetimeFigureOut">
               <a:rPr lang="de-DE" smtClean="0"/>
-              <a:t>26.04.2021</a:t>
+              <a:t>27.04.2021</a:t>
             </a:fld>
             <a:endParaRPr lang="de-DE"/>
           </a:p>
@@ -4286,7 +4286,7 @@
           <a:p>
             <a:fld id="{DD4CBBBF-5AC1-42CF-B14E-7B3351EBCA17}" type="datetimeFigureOut">
               <a:rPr lang="de-DE" smtClean="0"/>
-              <a:t>26.04.2021</a:t>
+              <a:t>27.04.2021</a:t>
             </a:fld>
             <a:endParaRPr lang="de-DE"/>
           </a:p>
@@ -4412,7 +4412,7 @@
           <a:p>
             <a:fld id="{DD4CBBBF-5AC1-42CF-B14E-7B3351EBCA17}" type="datetimeFigureOut">
               <a:rPr lang="de-DE" smtClean="0"/>
-              <a:t>26.04.2021</a:t>
+              <a:t>27.04.2021</a:t>
             </a:fld>
             <a:endParaRPr lang="de-DE"/>
           </a:p>
@@ -4667,7 +4667,7 @@
           <a:p>
             <a:fld id="{DD4CBBBF-5AC1-42CF-B14E-7B3351EBCA17}" type="datetimeFigureOut">
               <a:rPr lang="de-DE" smtClean="0"/>
-              <a:t>26.04.2021</a:t>
+              <a:t>27.04.2021</a:t>
             </a:fld>
             <a:endParaRPr lang="de-DE"/>
           </a:p>
@@ -4982,7 +4982,7 @@
           <a:p>
             <a:fld id="{DD4CBBBF-5AC1-42CF-B14E-7B3351EBCA17}" type="datetimeFigureOut">
               <a:rPr lang="de-DE" smtClean="0"/>
-              <a:t>26.04.2021</a:t>
+              <a:t>27.04.2021</a:t>
             </a:fld>
             <a:endParaRPr lang="de-DE"/>
           </a:p>
@@ -5333,7 +5333,7 @@
           <a:p>
             <a:fld id="{DD4CBBBF-5AC1-42CF-B14E-7B3351EBCA17}" type="datetimeFigureOut">
               <a:rPr lang="de-DE" smtClean="0"/>
-              <a:t>26.04.2021</a:t>
+              <a:t>27.04.2021</a:t>
             </a:fld>
             <a:endParaRPr lang="de-DE"/>
           </a:p>
@@ -5886,7 +5886,12 @@
             <p:ph type="ctrTitle"/>
           </p:nvPr>
         </p:nvSpPr>
-        <p:spPr/>
+        <p:spPr>
+          <a:xfrm>
+            <a:off x="2692398" y="1797558"/>
+            <a:ext cx="6815669" cy="1515533"/>
+          </a:xfrm>
+        </p:spPr>
         <p:txBody>
           <a:bodyPr/>
           <a:lstStyle/>
@@ -5897,15 +5902,7 @@
             </a:r>
             <a:r>
               <a:rPr lang="de-DE" dirty="0" smtClean="0"/>
-              <a:t> </a:t>
-            </a:r>
-            <a:r>
-              <a:rPr lang="de-DE" dirty="0" err="1" smtClean="0"/>
-              <a:t>Presentation</a:t>
-            </a:r>
-            <a:r>
-              <a:rPr lang="de-DE" dirty="0" smtClean="0"/>
-              <a:t/>
+              <a:t> Präsentation</a:t>
             </a:r>
             <a:br>
               <a:rPr lang="de-DE" dirty="0" smtClean="0"/>
@@ -5955,6 +5952,92 @@
   <p:clrMapOvr>
     <a:masterClrMapping/>
   </p:clrMapOvr>
+  <p:timing>
+    <p:tnLst>
+      <p:par>
+        <p:cTn id="1" dur="indefinite" restart="never" nodeType="tmRoot">
+          <p:childTnLst>
+            <p:seq concurrent="1" nextAc="seek">
+              <p:cTn id="2" dur="indefinite" nodeType="mainSeq">
+                <p:childTnLst>
+                  <p:par>
+                    <p:cTn id="3" fill="hold">
+                      <p:stCondLst>
+                        <p:cond delay="indefinite"/>
+                      </p:stCondLst>
+                      <p:childTnLst>
+                        <p:par>
+                          <p:cTn id="4" fill="hold">
+                            <p:stCondLst>
+                              <p:cond delay="0"/>
+                            </p:stCondLst>
+                            <p:childTnLst>
+                              <p:par>
+                                <p:cTn id="5" presetID="21" presetClass="entr" presetSubtype="1" fill="hold" grpId="0" nodeType="clickEffect">
+                                  <p:stCondLst>
+                                    <p:cond delay="0"/>
+                                  </p:stCondLst>
+                                  <p:childTnLst>
+                                    <p:set>
+                                      <p:cBhvr>
+                                        <p:cTn id="6" dur="1" fill="hold">
+                                          <p:stCondLst>
+                                            <p:cond delay="0"/>
+                                          </p:stCondLst>
+                                        </p:cTn>
+                                        <p:tgtEl>
+                                          <p:spTgt spid="2"/>
+                                        </p:tgtEl>
+                                        <p:attrNameLst>
+                                          <p:attrName>style.visibility</p:attrName>
+                                        </p:attrNameLst>
+                                      </p:cBhvr>
+                                      <p:to>
+                                        <p:strVal val="visible"/>
+                                      </p:to>
+                                    </p:set>
+                                    <p:animEffect transition="in" filter="wheel(1)">
+                                      <p:cBhvr>
+                                        <p:cTn id="7" dur="2000"/>
+                                        <p:tgtEl>
+                                          <p:spTgt spid="2"/>
+                                        </p:tgtEl>
+                                      </p:cBhvr>
+                                    </p:animEffect>
+                                  </p:childTnLst>
+                                </p:cTn>
+                              </p:par>
+                            </p:childTnLst>
+                          </p:cTn>
+                        </p:par>
+                      </p:childTnLst>
+                    </p:cTn>
+                  </p:par>
+                </p:childTnLst>
+              </p:cTn>
+              <p:prevCondLst>
+                <p:cond evt="onPrev" delay="0">
+                  <p:tgtEl>
+                    <p:sldTgt/>
+                  </p:tgtEl>
+                </p:cond>
+              </p:prevCondLst>
+              <p:nextCondLst>
+                <p:cond evt="onNext" delay="0">
+                  <p:tgtEl>
+                    <p:sldTgt/>
+                  </p:tgtEl>
+                </p:cond>
+              </p:nextCondLst>
+            </p:seq>
+          </p:childTnLst>
+        </p:cTn>
+      </p:par>
+    </p:tnLst>
+    <p:bldLst>
+      <p:bldP spid="2" grpId="0"/>
+    </p:bldLst>
+  </p:timing>
 </p:sld>
 </file>
 
@@ -6019,7 +6102,17 @@
             </a:r>
             <a:r>
               <a:rPr lang="de-DE" dirty="0" smtClean="0"/>
-              <a:t> Bausteine</a:t>
+              <a:t> </a:t>
+            </a:r>
+            <a:r>
+              <a:rPr lang="de-DE" dirty="0" smtClean="0"/>
+              <a:t>Bausteine</a:t>
+            </a:r>
+          </a:p>
+          <a:p>
+            <a:r>
+              <a:rPr lang="de-DE" dirty="0" smtClean="0"/>
+              <a:t>Setup</a:t>
             </a:r>
             <a:endParaRPr lang="de-DE" dirty="0" smtClean="0"/>
           </a:p>
@@ -6030,10 +6123,7 @@
             </a:r>
           </a:p>
           <a:p>
-            <a:r>
-              <a:rPr lang="de-DE" dirty="0" smtClean="0"/>
-              <a:t>Setup</a:t>
-            </a:r>
+            <a:endParaRPr lang="de-DE" dirty="0" smtClean="0"/>
           </a:p>
           <a:p>
             <a:endParaRPr lang="de-DE" dirty="0"/>
@@ -6050,6 +6140,239 @@
   <p:clrMapOvr>
     <a:masterClrMapping/>
   </p:clrMapOvr>
+  <p:timing>
+    <p:tnLst>
+      <p:par>
+        <p:cTn id="1" dur="indefinite" restart="never" nodeType="tmRoot">
+          <p:childTnLst>
+            <p:seq concurrent="1" nextAc="seek">
+              <p:cTn id="2" dur="indefinite" nodeType="mainSeq">
+                <p:childTnLst>
+                  <p:par>
+                    <p:cTn id="3" fill="hold">
+                      <p:stCondLst>
+                        <p:cond delay="indefinite"/>
+                      </p:stCondLst>
+                      <p:childTnLst>
+                        <p:par>
+                          <p:cTn id="4" fill="hold">
+                            <p:stCondLst>
+                              <p:cond delay="0"/>
+                            </p:stCondLst>
+                            <p:childTnLst>
+                              <p:par>
+                                <p:cTn id="5" presetID="21" presetClass="entr" presetSubtype="1" fill="hold" grpId="0" nodeType="clickEffect">
+                                  <p:stCondLst>
+                                    <p:cond delay="0"/>
+                                  </p:stCondLst>
+                                  <p:childTnLst>
+                                    <p:set>
+                                      <p:cBhvr>
+                                        <p:cTn id="6" dur="1" fill="hold">
+                                          <p:stCondLst>
+                                            <p:cond delay="0"/>
+                                          </p:stCondLst>
+                                        </p:cTn>
+                                        <p:tgtEl>
+                                          <p:spTgt spid="2"/>
+                                        </p:tgtEl>
+                                        <p:attrNameLst>
+                                          <p:attrName>style.visibility</p:attrName>
+                                        </p:attrNameLst>
+                                      </p:cBhvr>
+                                      <p:to>
+                                        <p:strVal val="visible"/>
+                                      </p:to>
+                                    </p:set>
+                                    <p:animEffect transition="in" filter="wheel(1)">
+                                      <p:cBhvr>
+                                        <p:cTn id="7" dur="2000"/>
+                                        <p:tgtEl>
+                                          <p:spTgt spid="2"/>
+                                        </p:tgtEl>
+                                      </p:cBhvr>
+                                    </p:animEffect>
+                                  </p:childTnLst>
+                                </p:cTn>
+                              </p:par>
+                            </p:childTnLst>
+                          </p:cTn>
+                        </p:par>
+                      </p:childTnLst>
+                    </p:cTn>
+                  </p:par>
+                  <p:par>
+                    <p:cTn id="8" fill="hold">
+                      <p:stCondLst>
+                        <p:cond delay="indefinite"/>
+                      </p:stCondLst>
+                      <p:childTnLst>
+                        <p:par>
+                          <p:cTn id="9" fill="hold">
+                            <p:stCondLst>
+                              <p:cond delay="0"/>
+                            </p:stCondLst>
+                            <p:childTnLst>
+                              <p:par>
+                                <p:cTn id="10" presetID="21" presetClass="entr" presetSubtype="1" fill="hold" nodeType="clickEffect">
+                                  <p:stCondLst>
+                                    <p:cond delay="0"/>
+                                  </p:stCondLst>
+                                  <p:childTnLst>
+                                    <p:set>
+                                      <p:cBhvr>
+                                        <p:cTn id="11" dur="1" fill="hold">
+                                          <p:stCondLst>
+                                            <p:cond delay="0"/>
+                                          </p:stCondLst>
+                                        </p:cTn>
+                                        <p:tgtEl>
+                                          <p:spTgt spid="3">
+                                            <p:txEl>
+                                              <p:pRg st="0" end="0"/>
+                                            </p:txEl>
+                                          </p:spTgt>
+                                        </p:tgtEl>
+                                        <p:attrNameLst>
+                                          <p:attrName>style.visibility</p:attrName>
+                                        </p:attrNameLst>
+                                      </p:cBhvr>
+                                      <p:to>
+                                        <p:strVal val="visible"/>
+                                      </p:to>
+                                    </p:set>
+                                    <p:animEffect transition="in" filter="wheel(1)">
+                                      <p:cBhvr>
+                                        <p:cTn id="12" dur="2000"/>
+                                        <p:tgtEl>
+                                          <p:spTgt spid="3">
+                                            <p:txEl>
+                                              <p:pRg st="0" end="0"/>
+                                            </p:txEl>
+                                          </p:spTgt>
+                                        </p:tgtEl>
+                                      </p:cBhvr>
+                                    </p:animEffect>
+                                  </p:childTnLst>
+                                </p:cTn>
+                              </p:par>
+                              <p:par>
+                                <p:cTn id="13" presetID="21" presetClass="entr" presetSubtype="1" fill="hold" nodeType="withEffect">
+                                  <p:stCondLst>
+                                    <p:cond delay="0"/>
+                                  </p:stCondLst>
+                                  <p:childTnLst>
+                                    <p:set>
+                                      <p:cBhvr>
+                                        <p:cTn id="14" dur="1" fill="hold">
+                                          <p:stCondLst>
+                                            <p:cond delay="0"/>
+                                          </p:stCondLst>
+                                        </p:cTn>
+                                        <p:tgtEl>
+                                          <p:spTgt spid="3">
+                                            <p:txEl>
+                                              <p:pRg st="1" end="1"/>
+                                            </p:txEl>
+                                          </p:spTgt>
+                                        </p:tgtEl>
+                                        <p:attrNameLst>
+                                          <p:attrName>style.visibility</p:attrName>
+                                        </p:attrNameLst>
+                                      </p:cBhvr>
+                                      <p:to>
+                                        <p:strVal val="visible"/>
+                                      </p:to>
+                                    </p:set>
+                                    <p:animEffect transition="in" filter="wheel(1)">
+                                      <p:cBhvr>
+                                        <p:cTn id="15" dur="2000"/>
+                                        <p:tgtEl>
+                                          <p:spTgt spid="3">
+                                            <p:txEl>
+                                              <p:pRg st="1" end="1"/>
+                                            </p:txEl>
+                                          </p:spTgt>
+                                        </p:tgtEl>
+                                      </p:cBhvr>
+                                    </p:animEffect>
+                                  </p:childTnLst>
+                                </p:cTn>
+                              </p:par>
+                              <p:par>
+                                <p:cTn id="16" presetID="21" presetClass="entr" presetSubtype="1" fill="hold" nodeType="withEffect">
+                                  <p:stCondLst>
+                                    <p:cond delay="0"/>
+                                  </p:stCondLst>
+                                  <p:childTnLst>
+                                    <p:set>
+                                      <p:cBhvr>
+                                        <p:cTn id="17" dur="1" fill="hold">
+                                          <p:stCondLst>
+                                            <p:cond delay="0"/>
+                                          </p:stCondLst>
+                                        </p:cTn>
+                                        <p:tgtEl>
+                                          <p:spTgt spid="3">
+                                            <p:txEl>
+                                              <p:pRg st="2" end="2"/>
+                                            </p:txEl>
+                                          </p:spTgt>
+                                        </p:tgtEl>
+                                        <p:attrNameLst>
+                                          <p:attrName>style.visibility</p:attrName>
+                                        </p:attrNameLst>
+                                      </p:cBhvr>
+                                      <p:to>
+                                        <p:strVal val="visible"/>
+                                      </p:to>
+                                    </p:set>
+                                    <p:animEffect transition="in" filter="wheel(1)">
+                                      <p:cBhvr>
+                                        <p:cTn id="18" dur="2000"/>
+                                        <p:tgtEl>
+                                          <p:spTgt spid="3">
+                                            <p:txEl>
+                                              <p:pRg st="2" end="2"/>
+                                            </p:txEl>
+                                          </p:spTgt>
+                                        </p:tgtEl>
+                                      </p:cBhvr>
+                                    </p:animEffect>
+                                  </p:childTnLst>
+                                </p:cTn>
+                              </p:par>
+                            </p:childTnLst>
+                          </p:cTn>
+                        </p:par>
+                      </p:childTnLst>
+                    </p:cTn>
+                  </p:par>
+                </p:childTnLst>
+              </p:cTn>
+              <p:prevCondLst>
+                <p:cond evt="onPrev" delay="0">
+                  <p:tgtEl>
+                    <p:sldTgt/>
+                  </p:tgtEl>
+                </p:cond>
+              </p:prevCondLst>
+              <p:nextCondLst>
+                <p:cond evt="onNext" delay="0">
+                  <p:tgtEl>
+                    <p:sldTgt/>
+                  </p:tgtEl>
+                </p:cond>
+              </p:nextCondLst>
+            </p:seq>
+          </p:childTnLst>
+        </p:cTn>
+      </p:par>
+    </p:tnLst>
+    <p:bldLst>
+      <p:bldP spid="2" grpId="0"/>
+    </p:bldLst>
+  </p:timing>
 </p:sld>
 </file>
 
@@ -6265,6 +6588,459 @@
   <p:clrMapOvr>
     <a:masterClrMapping/>
   </p:clrMapOvr>
+  <p:timing>
+    <p:tnLst>
+      <p:par>
+        <p:cTn id="1" dur="indefinite" restart="never" nodeType="tmRoot">
+          <p:childTnLst>
+            <p:seq concurrent="1" nextAc="seek">
+              <p:cTn id="2" dur="indefinite" nodeType="mainSeq">
+                <p:childTnLst>
+                  <p:par>
+                    <p:cTn id="3" fill="hold">
+                      <p:stCondLst>
+                        <p:cond delay="indefinite"/>
+                      </p:stCondLst>
+                      <p:childTnLst>
+                        <p:par>
+                          <p:cTn id="4" fill="hold">
+                            <p:stCondLst>
+                              <p:cond delay="0"/>
+                            </p:stCondLst>
+                            <p:childTnLst>
+                              <p:par>
+                                <p:cTn id="5" presetID="21" presetClass="entr" presetSubtype="1" fill="hold" nodeType="clickEffect">
+                                  <p:stCondLst>
+                                    <p:cond delay="0"/>
+                                  </p:stCondLst>
+                                  <p:childTnLst>
+                                    <p:set>
+                                      <p:cBhvr>
+                                        <p:cTn id="6" dur="1" fill="hold">
+                                          <p:stCondLst>
+                                            <p:cond delay="0"/>
+                                          </p:stCondLst>
+                                        </p:cTn>
+                                        <p:tgtEl>
+                                          <p:spTgt spid="2">
+                                            <p:txEl>
+                                              <p:pRg st="0" end="0"/>
+                                            </p:txEl>
+                                          </p:spTgt>
+                                        </p:tgtEl>
+                                        <p:attrNameLst>
+                                          <p:attrName>style.visibility</p:attrName>
+                                        </p:attrNameLst>
+                                      </p:cBhvr>
+                                      <p:to>
+                                        <p:strVal val="visible"/>
+                                      </p:to>
+                                    </p:set>
+                                    <p:animEffect transition="in" filter="wheel(1)">
+                                      <p:cBhvr>
+                                        <p:cTn id="7" dur="2000"/>
+                                        <p:tgtEl>
+                                          <p:spTgt spid="2">
+                                            <p:txEl>
+                                              <p:pRg st="0" end="0"/>
+                                            </p:txEl>
+                                          </p:spTgt>
+                                        </p:tgtEl>
+                                      </p:cBhvr>
+                                    </p:animEffect>
+                                  </p:childTnLst>
+                                </p:cTn>
+                              </p:par>
+                            </p:childTnLst>
+                          </p:cTn>
+                        </p:par>
+                      </p:childTnLst>
+                    </p:cTn>
+                  </p:par>
+                  <p:par>
+                    <p:cTn id="8" fill="hold">
+                      <p:stCondLst>
+                        <p:cond delay="indefinite"/>
+                      </p:stCondLst>
+                      <p:childTnLst>
+                        <p:par>
+                          <p:cTn id="9" fill="hold">
+                            <p:stCondLst>
+                              <p:cond delay="0"/>
+                            </p:stCondLst>
+                            <p:childTnLst>
+                              <p:par>
+                                <p:cTn id="10" presetID="21" presetClass="entr" presetSubtype="1" fill="hold" nodeType="clickEffect">
+                                  <p:stCondLst>
+                                    <p:cond delay="0"/>
+                                  </p:stCondLst>
+                                  <p:childTnLst>
+                                    <p:set>
+                                      <p:cBhvr>
+                                        <p:cTn id="11" dur="1" fill="hold">
+                                          <p:stCondLst>
+                                            <p:cond delay="0"/>
+                                          </p:stCondLst>
+                                        </p:cTn>
+                                        <p:tgtEl>
+                                          <p:spTgt spid="4">
+                                            <p:txEl>
+                                              <p:pRg st="0" end="0"/>
+                                            </p:txEl>
+                                          </p:spTgt>
+                                        </p:tgtEl>
+                                        <p:attrNameLst>
+                                          <p:attrName>style.visibility</p:attrName>
+                                        </p:attrNameLst>
+                                      </p:cBhvr>
+                                      <p:to>
+                                        <p:strVal val="visible"/>
+                                      </p:to>
+                                    </p:set>
+                                    <p:animEffect transition="in" filter="wheel(1)">
+                                      <p:cBhvr>
+                                        <p:cTn id="12" dur="2000"/>
+                                        <p:tgtEl>
+                                          <p:spTgt spid="4">
+                                            <p:txEl>
+                                              <p:pRg st="0" end="0"/>
+                                            </p:txEl>
+                                          </p:spTgt>
+                                        </p:tgtEl>
+                                      </p:cBhvr>
+                                    </p:animEffect>
+                                  </p:childTnLst>
+                                </p:cTn>
+                              </p:par>
+                              <p:par>
+                                <p:cTn id="13" presetID="21" presetClass="entr" presetSubtype="1" fill="hold" nodeType="withEffect">
+                                  <p:stCondLst>
+                                    <p:cond delay="0"/>
+                                  </p:stCondLst>
+                                  <p:childTnLst>
+                                    <p:set>
+                                      <p:cBhvr>
+                                        <p:cTn id="14" dur="1" fill="hold">
+                                          <p:stCondLst>
+                                            <p:cond delay="0"/>
+                                          </p:stCondLst>
+                                        </p:cTn>
+                                        <p:tgtEl>
+                                          <p:spTgt spid="4">
+                                            <p:txEl>
+                                              <p:pRg st="1" end="1"/>
+                                            </p:txEl>
+                                          </p:spTgt>
+                                        </p:tgtEl>
+                                        <p:attrNameLst>
+                                          <p:attrName>style.visibility</p:attrName>
+                                        </p:attrNameLst>
+                                      </p:cBhvr>
+                                      <p:to>
+                                        <p:strVal val="visible"/>
+                                      </p:to>
+                                    </p:set>
+                                    <p:animEffect transition="in" filter="wheel(1)">
+                                      <p:cBhvr>
+                                        <p:cTn id="15" dur="2000"/>
+                                        <p:tgtEl>
+                                          <p:spTgt spid="4">
+                                            <p:txEl>
+                                              <p:pRg st="1" end="1"/>
+                                            </p:txEl>
+                                          </p:spTgt>
+                                        </p:tgtEl>
+                                      </p:cBhvr>
+                                    </p:animEffect>
+                                  </p:childTnLst>
+                                </p:cTn>
+                              </p:par>
+                              <p:par>
+                                <p:cTn id="16" presetID="21" presetClass="entr" presetSubtype="1" fill="hold" nodeType="withEffect">
+                                  <p:stCondLst>
+                                    <p:cond delay="0"/>
+                                  </p:stCondLst>
+                                  <p:childTnLst>
+                                    <p:set>
+                                      <p:cBhvr>
+                                        <p:cTn id="17" dur="1" fill="hold">
+                                          <p:stCondLst>
+                                            <p:cond delay="0"/>
+                                          </p:stCondLst>
+                                        </p:cTn>
+                                        <p:tgtEl>
+                                          <p:spTgt spid="4">
+                                            <p:txEl>
+                                              <p:pRg st="2" end="2"/>
+                                            </p:txEl>
+                                          </p:spTgt>
+                                        </p:tgtEl>
+                                        <p:attrNameLst>
+                                          <p:attrName>style.visibility</p:attrName>
+                                        </p:attrNameLst>
+                                      </p:cBhvr>
+                                      <p:to>
+                                        <p:strVal val="visible"/>
+                                      </p:to>
+                                    </p:set>
+                                    <p:animEffect transition="in" filter="wheel(1)">
+                                      <p:cBhvr>
+                                        <p:cTn id="18" dur="2000"/>
+                                        <p:tgtEl>
+                                          <p:spTgt spid="4">
+                                            <p:txEl>
+                                              <p:pRg st="2" end="2"/>
+                                            </p:txEl>
+                                          </p:spTgt>
+                                        </p:tgtEl>
+                                      </p:cBhvr>
+                                    </p:animEffect>
+                                  </p:childTnLst>
+                                </p:cTn>
+                              </p:par>
+                              <p:par>
+                                <p:cTn id="19" presetID="21" presetClass="entr" presetSubtype="1" fill="hold" nodeType="withEffect">
+                                  <p:stCondLst>
+                                    <p:cond delay="0"/>
+                                  </p:stCondLst>
+                                  <p:childTnLst>
+                                    <p:set>
+                                      <p:cBhvr>
+                                        <p:cTn id="20" dur="1" fill="hold">
+                                          <p:stCondLst>
+                                            <p:cond delay="0"/>
+                                          </p:stCondLst>
+                                        </p:cTn>
+                                        <p:tgtEl>
+                                          <p:spTgt spid="4">
+                                            <p:txEl>
+                                              <p:pRg st="3" end="3"/>
+                                            </p:txEl>
+                                          </p:spTgt>
+                                        </p:tgtEl>
+                                        <p:attrNameLst>
+                                          <p:attrName>style.visibility</p:attrName>
+                                        </p:attrNameLst>
+                                      </p:cBhvr>
+                                      <p:to>
+                                        <p:strVal val="visible"/>
+                                      </p:to>
+                                    </p:set>
+                                    <p:animEffect transition="in" filter="wheel(1)">
+                                      <p:cBhvr>
+                                        <p:cTn id="21" dur="2000"/>
+                                        <p:tgtEl>
+                                          <p:spTgt spid="4">
+                                            <p:txEl>
+                                              <p:pRg st="3" end="3"/>
+                                            </p:txEl>
+                                          </p:spTgt>
+                                        </p:tgtEl>
+                                      </p:cBhvr>
+                                    </p:animEffect>
+                                  </p:childTnLst>
+                                </p:cTn>
+                              </p:par>
+                              <p:par>
+                                <p:cTn id="22" presetID="21" presetClass="entr" presetSubtype="1" fill="hold" nodeType="withEffect">
+                                  <p:stCondLst>
+                                    <p:cond delay="0"/>
+                                  </p:stCondLst>
+                                  <p:childTnLst>
+                                    <p:set>
+                                      <p:cBhvr>
+                                        <p:cTn id="23" dur="1" fill="hold">
+                                          <p:stCondLst>
+                                            <p:cond delay="0"/>
+                                          </p:stCondLst>
+                                        </p:cTn>
+                                        <p:tgtEl>
+                                          <p:spTgt spid="4">
+                                            <p:txEl>
+                                              <p:pRg st="4" end="4"/>
+                                            </p:txEl>
+                                          </p:spTgt>
+                                        </p:tgtEl>
+                                        <p:attrNameLst>
+                                          <p:attrName>style.visibility</p:attrName>
+                                        </p:attrNameLst>
+                                      </p:cBhvr>
+                                      <p:to>
+                                        <p:strVal val="visible"/>
+                                      </p:to>
+                                    </p:set>
+                                    <p:animEffect transition="in" filter="wheel(1)">
+                                      <p:cBhvr>
+                                        <p:cTn id="24" dur="2000"/>
+                                        <p:tgtEl>
+                                          <p:spTgt spid="4">
+                                            <p:txEl>
+                                              <p:pRg st="4" end="4"/>
+                                            </p:txEl>
+                                          </p:spTgt>
+                                        </p:tgtEl>
+                                      </p:cBhvr>
+                                    </p:animEffect>
+                                  </p:childTnLst>
+                                </p:cTn>
+                              </p:par>
+                              <p:par>
+                                <p:cTn id="25" presetID="21" presetClass="entr" presetSubtype="1" fill="hold" nodeType="withEffect">
+                                  <p:stCondLst>
+                                    <p:cond delay="0"/>
+                                  </p:stCondLst>
+                                  <p:childTnLst>
+                                    <p:set>
+                                      <p:cBhvr>
+                                        <p:cTn id="26" dur="1" fill="hold">
+                                          <p:stCondLst>
+                                            <p:cond delay="0"/>
+                                          </p:stCondLst>
+                                        </p:cTn>
+                                        <p:tgtEl>
+                                          <p:spTgt spid="4">
+                                            <p:txEl>
+                                              <p:pRg st="5" end="5"/>
+                                            </p:txEl>
+                                          </p:spTgt>
+                                        </p:tgtEl>
+                                        <p:attrNameLst>
+                                          <p:attrName>style.visibility</p:attrName>
+                                        </p:attrNameLst>
+                                      </p:cBhvr>
+                                      <p:to>
+                                        <p:strVal val="visible"/>
+                                      </p:to>
+                                    </p:set>
+                                    <p:animEffect transition="in" filter="wheel(1)">
+                                      <p:cBhvr>
+                                        <p:cTn id="27" dur="2000"/>
+                                        <p:tgtEl>
+                                          <p:spTgt spid="4">
+                                            <p:txEl>
+                                              <p:pRg st="5" end="5"/>
+                                            </p:txEl>
+                                          </p:spTgt>
+                                        </p:tgtEl>
+                                      </p:cBhvr>
+                                    </p:animEffect>
+                                  </p:childTnLst>
+                                </p:cTn>
+                              </p:par>
+                              <p:par>
+                                <p:cTn id="28" presetID="21" presetClass="entr" presetSubtype="1" fill="hold" nodeType="withEffect">
+                                  <p:stCondLst>
+                                    <p:cond delay="0"/>
+                                  </p:stCondLst>
+                                  <p:childTnLst>
+                                    <p:set>
+                                      <p:cBhvr>
+                                        <p:cTn id="29" dur="1" fill="hold">
+                                          <p:stCondLst>
+                                            <p:cond delay="0"/>
+                                          </p:stCondLst>
+                                        </p:cTn>
+                                        <p:tgtEl>
+                                          <p:spTgt spid="4">
+                                            <p:txEl>
+                                              <p:pRg st="6" end="6"/>
+                                            </p:txEl>
+                                          </p:spTgt>
+                                        </p:tgtEl>
+                                        <p:attrNameLst>
+                                          <p:attrName>style.visibility</p:attrName>
+                                        </p:attrNameLst>
+                                      </p:cBhvr>
+                                      <p:to>
+                                        <p:strVal val="visible"/>
+                                      </p:to>
+                                    </p:set>
+                                    <p:animEffect transition="in" filter="wheel(1)">
+                                      <p:cBhvr>
+                                        <p:cTn id="30" dur="2000"/>
+                                        <p:tgtEl>
+                                          <p:spTgt spid="4">
+                                            <p:txEl>
+                                              <p:pRg st="6" end="6"/>
+                                            </p:txEl>
+                                          </p:spTgt>
+                                        </p:tgtEl>
+                                      </p:cBhvr>
+                                    </p:animEffect>
+                                  </p:childTnLst>
+                                </p:cTn>
+                              </p:par>
+                              <p:par>
+                                <p:cTn id="31" presetID="21" presetClass="entr" presetSubtype="1" fill="hold" nodeType="withEffect">
+                                  <p:stCondLst>
+                                    <p:cond delay="0"/>
+                                  </p:stCondLst>
+                                  <p:childTnLst>
+                                    <p:set>
+                                      <p:cBhvr>
+                                        <p:cTn id="32" dur="1" fill="hold">
+                                          <p:stCondLst>
+                                            <p:cond delay="0"/>
+                                          </p:stCondLst>
+                                        </p:cTn>
+                                        <p:tgtEl>
+                                          <p:spTgt spid="4">
+                                            <p:txEl>
+                                              <p:pRg st="7" end="7"/>
+                                            </p:txEl>
+                                          </p:spTgt>
+                                        </p:tgtEl>
+                                        <p:attrNameLst>
+                                          <p:attrName>style.visibility</p:attrName>
+                                        </p:attrNameLst>
+                                      </p:cBhvr>
+                                      <p:to>
+                                        <p:strVal val="visible"/>
+                                      </p:to>
+                                    </p:set>
+                                    <p:animEffect transition="in" filter="wheel(1)">
+                                      <p:cBhvr>
+                                        <p:cTn id="33" dur="2000"/>
+                                        <p:tgtEl>
+                                          <p:spTgt spid="4">
+                                            <p:txEl>
+                                              <p:pRg st="7" end="7"/>
+                                            </p:txEl>
+                                          </p:spTgt>
+                                        </p:tgtEl>
+                                      </p:cBhvr>
+                                    </p:animEffect>
+                                  </p:childTnLst>
+                                </p:cTn>
+                              </p:par>
+                            </p:childTnLst>
+                          </p:cTn>
+                        </p:par>
+                      </p:childTnLst>
+                    </p:cTn>
+                  </p:par>
+                </p:childTnLst>
+              </p:cTn>
+              <p:prevCondLst>
+                <p:cond evt="onPrev" delay="0">
+                  <p:tgtEl>
+                    <p:sldTgt/>
+                  </p:tgtEl>
+                </p:cond>
+              </p:prevCondLst>
+              <p:nextCondLst>
+                <p:cond evt="onNext" delay="0">
+                  <p:tgtEl>
+                    <p:sldTgt/>
+                  </p:tgtEl>
+                </p:cond>
+              </p:nextCondLst>
+            </p:seq>
+          </p:childTnLst>
+        </p:cTn>
+      </p:par>
+    </p:tnLst>
+  </p:timing>
 </p:sld>
 </file>
 
@@ -6293,8 +7069,8 @@
         </p:nvSpPr>
         <p:spPr>
           <a:xfrm>
-            <a:off x="1355834" y="1271752"/>
-            <a:ext cx="7966842" cy="523220"/>
+            <a:off x="1902372" y="1156138"/>
+            <a:ext cx="8198069" cy="3016210"/>
           </a:xfrm>
           <a:prstGeom prst="rect">
             <a:avLst/>
@@ -6308,157 +7084,438 @@
           <a:lstStyle/>
           <a:p>
             <a:r>
-              <a:rPr lang="de-DE" sz="2800" dirty="0" smtClean="0"/>
-              <a:t>Thema</a:t>
-            </a:r>
-            <a:endParaRPr lang="de-DE" sz="2800" dirty="0"/>
-          </a:p>
-        </p:txBody>
-      </p:sp>
-      <p:sp>
-        <p:nvSpPr>
-          <p:cNvPr id="3" name="Textfeld 2"/>
-          <p:cNvSpPr txBox="1"/>
-          <p:nvPr/>
-        </p:nvSpPr>
-        <p:spPr>
-          <a:xfrm>
-            <a:off x="1555531" y="2228193"/>
-            <a:ext cx="6936828" cy="2862322"/>
-          </a:xfrm>
-          <a:prstGeom prst="rect">
-            <a:avLst/>
-          </a:prstGeom>
-          <a:noFill/>
-        </p:spPr>
-        <p:txBody>
-          <a:bodyPr wrap="square" rtlCol="0">
-            <a:spAutoFit/>
-          </a:bodyPr>
-          <a:lstStyle/>
-          <a:p>
-            <a:pPr marL="285750" indent="-285750">
-              <a:buFont typeface="Arial" panose="020B0604020202020204" pitchFamily="34" charset="0"/>
-              <a:buChar char="•"/>
-            </a:pPr>
+              <a:rPr lang="de-DE" sz="2800" b="1" u="sng" dirty="0"/>
+              <a:t>Setup</a:t>
+            </a:r>
+          </a:p>
+          <a:p>
+            <a:endParaRPr lang="de-DE" dirty="0" smtClean="0"/>
+          </a:p>
+          <a:p>
+            <a:endParaRPr lang="de-DE" dirty="0"/>
+          </a:p>
+          <a:p>
+            <a:endParaRPr lang="de-DE" dirty="0" smtClean="0"/>
+          </a:p>
+          <a:p>
             <a:r>
               <a:rPr lang="de-DE" dirty="0" smtClean="0"/>
-              <a:t>Boxen</a:t>
-            </a:r>
-          </a:p>
-          <a:p>
-            <a:pPr marL="285750" indent="-285750">
-              <a:buFont typeface="Arial" panose="020B0604020202020204" pitchFamily="34" charset="0"/>
-              <a:buChar char="•"/>
-            </a:pPr>
-            <a:r>
-              <a:rPr lang="de-DE" dirty="0" smtClean="0"/>
-              <a:t>7 Sportler</a:t>
-            </a:r>
-          </a:p>
-          <a:p>
-            <a:pPr marL="285750" indent="-285750">
-              <a:buFont typeface="Arial" panose="020B0604020202020204" pitchFamily="34" charset="0"/>
-              <a:buChar char="•"/>
-            </a:pPr>
-            <a:r>
-              <a:rPr lang="de-DE" dirty="0" err="1" smtClean="0"/>
-              <a:t>Kostya</a:t>
-            </a:r>
-            <a:r>
-              <a:rPr lang="de-DE" dirty="0" smtClean="0"/>
-              <a:t> </a:t>
-            </a:r>
-            <a:r>
-              <a:rPr lang="de-DE" dirty="0" err="1" smtClean="0"/>
-              <a:t>Tszyu</a:t>
-            </a:r>
-            <a:endParaRPr lang="de-DE" dirty="0" smtClean="0"/>
-          </a:p>
-          <a:p>
-            <a:pPr marL="285750" indent="-285750">
-              <a:buFont typeface="Arial" panose="020B0604020202020204" pitchFamily="34" charset="0"/>
-              <a:buChar char="•"/>
-            </a:pPr>
-            <a:r>
-              <a:rPr lang="de-DE" dirty="0" smtClean="0"/>
-              <a:t>Muhamed Ali</a:t>
-            </a:r>
-          </a:p>
-          <a:p>
-            <a:pPr marL="285750" indent="-285750">
-              <a:buFont typeface="Arial" panose="020B0604020202020204" pitchFamily="34" charset="0"/>
-              <a:buChar char="•"/>
-            </a:pPr>
-            <a:r>
-              <a:rPr lang="de-DE" dirty="0" smtClean="0"/>
-              <a:t>Danny Green</a:t>
-            </a:r>
-          </a:p>
-          <a:p>
-            <a:pPr marL="285750" indent="-285750">
-              <a:buFont typeface="Arial" panose="020B0604020202020204" pitchFamily="34" charset="0"/>
-              <a:buChar char="•"/>
-            </a:pPr>
-            <a:r>
-              <a:rPr lang="de-DE" dirty="0" smtClean="0"/>
-              <a:t>Mike Tyson</a:t>
-            </a:r>
-          </a:p>
-          <a:p>
-            <a:pPr marL="285750" indent="-285750">
-              <a:buFont typeface="Arial" panose="020B0604020202020204" pitchFamily="34" charset="0"/>
-              <a:buChar char="•"/>
-            </a:pPr>
-            <a:r>
-              <a:rPr lang="de-DE" dirty="0" err="1" smtClean="0"/>
-              <a:t>Cannelo</a:t>
-            </a:r>
-            <a:r>
-              <a:rPr lang="de-DE" dirty="0" smtClean="0"/>
-              <a:t> Alvarez</a:t>
-            </a:r>
-          </a:p>
-          <a:p>
-            <a:pPr marL="285750" indent="-285750">
-              <a:buFont typeface="Arial" panose="020B0604020202020204" pitchFamily="34" charset="0"/>
-              <a:buChar char="•"/>
-            </a:pPr>
-            <a:r>
-              <a:rPr lang="de-DE" dirty="0" smtClean="0"/>
-              <a:t>Oscar De le </a:t>
-            </a:r>
-            <a:r>
-              <a:rPr lang="de-DE" dirty="0" err="1" smtClean="0"/>
-              <a:t>hoya</a:t>
-            </a:r>
-            <a:endParaRPr lang="de-DE" dirty="0" smtClean="0"/>
-          </a:p>
-          <a:p>
-            <a:pPr marL="285750" indent="-285750">
-              <a:buFont typeface="Arial" panose="020B0604020202020204" pitchFamily="34" charset="0"/>
-              <a:buChar char="•"/>
-            </a:pPr>
-            <a:r>
-              <a:rPr lang="de-DE" dirty="0" smtClean="0"/>
-              <a:t>Felix Trinidad</a:t>
-            </a:r>
-          </a:p>
-          <a:p>
-            <a:endParaRPr lang="de-DE" dirty="0"/>
+              <a:t>11 </a:t>
+            </a:r>
+            <a:r>
+              <a:rPr lang="de-DE" dirty="0"/>
+              <a:t>Seiten</a:t>
+            </a:r>
+          </a:p>
+          <a:p>
+            <a:r>
+              <a:rPr lang="de-DE" dirty="0"/>
+              <a:t>Index</a:t>
+            </a:r>
+          </a:p>
+          <a:p>
+            <a:r>
+              <a:rPr lang="de-DE" dirty="0"/>
+              <a:t>Individuelle Sportler eine Seite</a:t>
+            </a:r>
+          </a:p>
+          <a:p>
+            <a:r>
+              <a:rPr lang="de-DE" dirty="0"/>
+              <a:t>Bilder Galerie</a:t>
+            </a:r>
+          </a:p>
+          <a:p>
+            <a:r>
+              <a:rPr lang="de-DE" dirty="0"/>
+              <a:t>Formular</a:t>
+            </a:r>
+          </a:p>
+          <a:p>
+            <a:r>
+              <a:rPr lang="de-DE" dirty="0"/>
+              <a:t>Impressum</a:t>
+            </a:r>
           </a:p>
         </p:txBody>
       </p:sp>
     </p:spTree>
     <p:extLst>
       <p:ext uri="{BB962C8B-B14F-4D97-AF65-F5344CB8AC3E}">
-        <p14:creationId xmlns:p14="http://schemas.microsoft.com/office/powerpoint/2010/main" val="3519422880"/>
+        <p14:creationId xmlns:p14="http://schemas.microsoft.com/office/powerpoint/2010/main" val="860022394"/>
       </p:ext>
     </p:extLst>
   </p:cSld>
   <p:clrMapOvr>
     <a:masterClrMapping/>
   </p:clrMapOvr>
+  <p:timing>
+    <p:tnLst>
+      <p:par>
+        <p:cTn id="1" dur="indefinite" restart="never" nodeType="tmRoot">
+          <p:childTnLst>
+            <p:seq concurrent="1" nextAc="seek">
+              <p:cTn id="2" dur="indefinite" nodeType="mainSeq">
+                <p:childTnLst>
+                  <p:par>
+                    <p:cTn id="3" fill="hold">
+                      <p:stCondLst>
+                        <p:cond delay="indefinite"/>
+                      </p:stCondLst>
+                      <p:childTnLst>
+                        <p:par>
+                          <p:cTn id="4" fill="hold">
+                            <p:stCondLst>
+                              <p:cond delay="0"/>
+                            </p:stCondLst>
+                            <p:childTnLst>
+                              <p:par>
+                                <p:cTn id="5" presetID="21" presetClass="entr" presetSubtype="1" fill="hold" nodeType="clickEffect">
+                                  <p:stCondLst>
+                                    <p:cond delay="0"/>
+                                  </p:stCondLst>
+                                  <p:childTnLst>
+                                    <p:set>
+                                      <p:cBhvr>
+                                        <p:cTn id="6" dur="1" fill="hold">
+                                          <p:stCondLst>
+                                            <p:cond delay="0"/>
+                                          </p:stCondLst>
+                                        </p:cTn>
+                                        <p:tgtEl>
+                                          <p:spTgt spid="2">
+                                            <p:txEl>
+                                              <p:pRg st="0" end="0"/>
+                                            </p:txEl>
+                                          </p:spTgt>
+                                        </p:tgtEl>
+                                        <p:attrNameLst>
+                                          <p:attrName>style.visibility</p:attrName>
+                                        </p:attrNameLst>
+                                      </p:cBhvr>
+                                      <p:to>
+                                        <p:strVal val="visible"/>
+                                      </p:to>
+                                    </p:set>
+                                    <p:animEffect transition="in" filter="wheel(1)">
+                                      <p:cBhvr>
+                                        <p:cTn id="7" dur="2000"/>
+                                        <p:tgtEl>
+                                          <p:spTgt spid="2">
+                                            <p:txEl>
+                                              <p:pRg st="0" end="0"/>
+                                            </p:txEl>
+                                          </p:spTgt>
+                                        </p:tgtEl>
+                                      </p:cBhvr>
+                                    </p:animEffect>
+                                  </p:childTnLst>
+                                </p:cTn>
+                              </p:par>
+                            </p:childTnLst>
+                          </p:cTn>
+                        </p:par>
+                      </p:childTnLst>
+                    </p:cTn>
+                  </p:par>
+                  <p:par>
+                    <p:cTn id="8" fill="hold">
+                      <p:stCondLst>
+                        <p:cond delay="indefinite"/>
+                      </p:stCondLst>
+                      <p:childTnLst>
+                        <p:par>
+                          <p:cTn id="9" fill="hold">
+                            <p:stCondLst>
+                              <p:cond delay="0"/>
+                            </p:stCondLst>
+                            <p:childTnLst>
+                              <p:par>
+                                <p:cTn id="10" presetID="21" presetClass="entr" presetSubtype="1" fill="hold" nodeType="clickEffect">
+                                  <p:stCondLst>
+                                    <p:cond delay="0"/>
+                                  </p:stCondLst>
+                                  <p:childTnLst>
+                                    <p:set>
+                                      <p:cBhvr>
+                                        <p:cTn id="11" dur="1" fill="hold">
+                                          <p:stCondLst>
+                                            <p:cond delay="0"/>
+                                          </p:stCondLst>
+                                        </p:cTn>
+                                        <p:tgtEl>
+                                          <p:spTgt spid="2">
+                                            <p:txEl>
+                                              <p:pRg st="4" end="4"/>
+                                            </p:txEl>
+                                          </p:spTgt>
+                                        </p:tgtEl>
+                                        <p:attrNameLst>
+                                          <p:attrName>style.visibility</p:attrName>
+                                        </p:attrNameLst>
+                                      </p:cBhvr>
+                                      <p:to>
+                                        <p:strVal val="visible"/>
+                                      </p:to>
+                                    </p:set>
+                                    <p:animEffect transition="in" filter="wheel(1)">
+                                      <p:cBhvr>
+                                        <p:cTn id="12" dur="2000"/>
+                                        <p:tgtEl>
+                                          <p:spTgt spid="2">
+                                            <p:txEl>
+                                              <p:pRg st="4" end="4"/>
+                                            </p:txEl>
+                                          </p:spTgt>
+                                        </p:tgtEl>
+                                      </p:cBhvr>
+                                    </p:animEffect>
+                                  </p:childTnLst>
+                                </p:cTn>
+                              </p:par>
+                              <p:par>
+                                <p:cTn id="13" presetID="21" presetClass="entr" presetSubtype="1" fill="hold" nodeType="withEffect">
+                                  <p:stCondLst>
+                                    <p:cond delay="0"/>
+                                  </p:stCondLst>
+                                  <p:childTnLst>
+                                    <p:set>
+                                      <p:cBhvr>
+                                        <p:cTn id="14" dur="1" fill="hold">
+                                          <p:stCondLst>
+                                            <p:cond delay="0"/>
+                                          </p:stCondLst>
+                                        </p:cTn>
+                                        <p:tgtEl>
+                                          <p:spTgt spid="2">
+                                            <p:txEl>
+                                              <p:pRg st="5" end="5"/>
+                                            </p:txEl>
+                                          </p:spTgt>
+                                        </p:tgtEl>
+                                        <p:attrNameLst>
+                                          <p:attrName>style.visibility</p:attrName>
+                                        </p:attrNameLst>
+                                      </p:cBhvr>
+                                      <p:to>
+                                        <p:strVal val="visible"/>
+                                      </p:to>
+                                    </p:set>
+                                    <p:animEffect transition="in" filter="wheel(1)">
+                                      <p:cBhvr>
+                                        <p:cTn id="15" dur="2000"/>
+                                        <p:tgtEl>
+                                          <p:spTgt spid="2">
+                                            <p:txEl>
+                                              <p:pRg st="5" end="5"/>
+                                            </p:txEl>
+                                          </p:spTgt>
+                                        </p:tgtEl>
+                                      </p:cBhvr>
+                                    </p:animEffect>
+                                  </p:childTnLst>
+                                </p:cTn>
+                              </p:par>
+                              <p:par>
+                                <p:cTn id="16" presetID="21" presetClass="entr" presetSubtype="1" fill="hold" nodeType="withEffect">
+                                  <p:stCondLst>
+                                    <p:cond delay="0"/>
+                                  </p:stCondLst>
+                                  <p:childTnLst>
+                                    <p:set>
+                                      <p:cBhvr>
+                                        <p:cTn id="17" dur="1" fill="hold">
+                                          <p:stCondLst>
+                                            <p:cond delay="0"/>
+                                          </p:stCondLst>
+                                        </p:cTn>
+                                        <p:tgtEl>
+                                          <p:spTgt spid="2">
+                                            <p:txEl>
+                                              <p:pRg st="6" end="6"/>
+                                            </p:txEl>
+                                          </p:spTgt>
+                                        </p:tgtEl>
+                                        <p:attrNameLst>
+                                          <p:attrName>style.visibility</p:attrName>
+                                        </p:attrNameLst>
+                                      </p:cBhvr>
+                                      <p:to>
+                                        <p:strVal val="visible"/>
+                                      </p:to>
+                                    </p:set>
+                                    <p:animEffect transition="in" filter="wheel(1)">
+                                      <p:cBhvr>
+                                        <p:cTn id="18" dur="2000"/>
+                                        <p:tgtEl>
+                                          <p:spTgt spid="2">
+                                            <p:txEl>
+                                              <p:pRg st="6" end="6"/>
+                                            </p:txEl>
+                                          </p:spTgt>
+                                        </p:tgtEl>
+                                      </p:cBhvr>
+                                    </p:animEffect>
+                                  </p:childTnLst>
+                                </p:cTn>
+                              </p:par>
+                              <p:par>
+                                <p:cTn id="19" presetID="21" presetClass="entr" presetSubtype="1" fill="hold" nodeType="withEffect">
+                                  <p:stCondLst>
+                                    <p:cond delay="0"/>
+                                  </p:stCondLst>
+                                  <p:childTnLst>
+                                    <p:set>
+                                      <p:cBhvr>
+                                        <p:cTn id="20" dur="1" fill="hold">
+                                          <p:stCondLst>
+                                            <p:cond delay="0"/>
+                                          </p:stCondLst>
+                                        </p:cTn>
+                                        <p:tgtEl>
+                                          <p:spTgt spid="2">
+                                            <p:txEl>
+                                              <p:pRg st="7" end="7"/>
+                                            </p:txEl>
+                                          </p:spTgt>
+                                        </p:tgtEl>
+                                        <p:attrNameLst>
+                                          <p:attrName>style.visibility</p:attrName>
+                                        </p:attrNameLst>
+                                      </p:cBhvr>
+                                      <p:to>
+                                        <p:strVal val="visible"/>
+                                      </p:to>
+                                    </p:set>
+                                    <p:animEffect transition="in" filter="wheel(1)">
+                                      <p:cBhvr>
+                                        <p:cTn id="21" dur="2000"/>
+                                        <p:tgtEl>
+                                          <p:spTgt spid="2">
+                                            <p:txEl>
+                                              <p:pRg st="7" end="7"/>
+                                            </p:txEl>
+                                          </p:spTgt>
+                                        </p:tgtEl>
+                                      </p:cBhvr>
+                                    </p:animEffect>
+                                  </p:childTnLst>
+                                </p:cTn>
+                              </p:par>
+                              <p:par>
+                                <p:cTn id="22" presetID="21" presetClass="entr" presetSubtype="1" fill="hold" nodeType="withEffect">
+                                  <p:stCondLst>
+                                    <p:cond delay="0"/>
+                                  </p:stCondLst>
+                                  <p:childTnLst>
+                                    <p:set>
+                                      <p:cBhvr>
+                                        <p:cTn id="23" dur="1" fill="hold">
+                                          <p:stCondLst>
+                                            <p:cond delay="0"/>
+                                          </p:stCondLst>
+                                        </p:cTn>
+                                        <p:tgtEl>
+                                          <p:spTgt spid="2">
+                                            <p:txEl>
+                                              <p:pRg st="8" end="8"/>
+                                            </p:txEl>
+                                          </p:spTgt>
+                                        </p:tgtEl>
+                                        <p:attrNameLst>
+                                          <p:attrName>style.visibility</p:attrName>
+                                        </p:attrNameLst>
+                                      </p:cBhvr>
+                                      <p:to>
+                                        <p:strVal val="visible"/>
+                                      </p:to>
+                                    </p:set>
+                                    <p:animEffect transition="in" filter="wheel(1)">
+                                      <p:cBhvr>
+                                        <p:cTn id="24" dur="2000"/>
+                                        <p:tgtEl>
+                                          <p:spTgt spid="2">
+                                            <p:txEl>
+                                              <p:pRg st="8" end="8"/>
+                                            </p:txEl>
+                                          </p:spTgt>
+                                        </p:tgtEl>
+                                      </p:cBhvr>
+                                    </p:animEffect>
+                                  </p:childTnLst>
+                                </p:cTn>
+                              </p:par>
+                              <p:par>
+                                <p:cTn id="25" presetID="21" presetClass="entr" presetSubtype="1" fill="hold" nodeType="withEffect">
+                                  <p:stCondLst>
+                                    <p:cond delay="0"/>
+                                  </p:stCondLst>
+                                  <p:childTnLst>
+                                    <p:set>
+                                      <p:cBhvr>
+                                        <p:cTn id="26" dur="1" fill="hold">
+                                          <p:stCondLst>
+                                            <p:cond delay="0"/>
+                                          </p:stCondLst>
+                                        </p:cTn>
+                                        <p:tgtEl>
+                                          <p:spTgt spid="2">
+                                            <p:txEl>
+                                              <p:pRg st="9" end="9"/>
+                                            </p:txEl>
+                                          </p:spTgt>
+                                        </p:tgtEl>
+                                        <p:attrNameLst>
+                                          <p:attrName>style.visibility</p:attrName>
+                                        </p:attrNameLst>
+                                      </p:cBhvr>
+                                      <p:to>
+                                        <p:strVal val="visible"/>
+                                      </p:to>
+                                    </p:set>
+                                    <p:animEffect transition="in" filter="wheel(1)">
+                                      <p:cBhvr>
+                                        <p:cTn id="27" dur="2000"/>
+                                        <p:tgtEl>
+                                          <p:spTgt spid="2">
+                                            <p:txEl>
+                                              <p:pRg st="9" end="9"/>
+                                            </p:txEl>
+                                          </p:spTgt>
+                                        </p:tgtEl>
+                                      </p:cBhvr>
+                                    </p:animEffect>
+                                  </p:childTnLst>
+                                </p:cTn>
+                              </p:par>
+                            </p:childTnLst>
+                          </p:cTn>
+                        </p:par>
+                      </p:childTnLst>
+                    </p:cTn>
+                  </p:par>
+                </p:childTnLst>
+              </p:cTn>
+              <p:prevCondLst>
+                <p:cond evt="onPrev" delay="0">
+                  <p:tgtEl>
+                    <p:sldTgt/>
+                  </p:tgtEl>
+                </p:cond>
+              </p:prevCondLst>
+              <p:nextCondLst>
+                <p:cond evt="onNext" delay="0">
+                  <p:tgtEl>
+                    <p:sldTgt/>
+                  </p:tgtEl>
+                </p:cond>
+              </p:nextCondLst>
+            </p:seq>
+          </p:childTnLst>
+        </p:cTn>
+      </p:par>
+    </p:tnLst>
+  </p:timing>
 </p:sld>
 </file>
 
@@ -6487,8 +7544,8 @@
         </p:nvSpPr>
         <p:spPr>
           <a:xfrm>
-            <a:off x="1734207" y="1313793"/>
-            <a:ext cx="7126014" cy="369332"/>
+            <a:off x="1355834" y="1271752"/>
+            <a:ext cx="7966842" cy="523220"/>
           </a:xfrm>
           <a:prstGeom prst="rect">
             <a:avLst/>
@@ -6502,10 +7559,10 @@
           <a:lstStyle/>
           <a:p>
             <a:r>
-              <a:rPr lang="de-DE" dirty="0" smtClean="0"/>
-              <a:t>Setup</a:t>
-            </a:r>
-            <a:endParaRPr lang="de-DE" dirty="0"/>
+              <a:rPr lang="de-DE" sz="2800" dirty="0" smtClean="0"/>
+              <a:t>Thema</a:t>
+            </a:r>
+            <a:endParaRPr lang="de-DE" sz="2800" dirty="0"/>
           </a:p>
         </p:txBody>
       </p:sp>
@@ -6517,8 +7574,8 @@
         </p:nvSpPr>
         <p:spPr>
           <a:xfrm>
-            <a:off x="1734207" y="2217683"/>
-            <a:ext cx="6190593" cy="2031325"/>
+            <a:off x="1555531" y="2228193"/>
+            <a:ext cx="6936828" cy="2862322"/>
           </a:xfrm>
           <a:prstGeom prst="rect">
             <a:avLst/>
@@ -6531,37 +7588,112 @@
           </a:bodyPr>
           <a:lstStyle/>
           <a:p>
+            <a:pPr marL="285750" indent="-285750">
+              <a:buFont typeface="Arial" panose="020B0604020202020204" pitchFamily="34" charset="0"/>
+              <a:buChar char="•"/>
+            </a:pPr>
             <a:r>
               <a:rPr lang="de-DE" dirty="0" smtClean="0"/>
-              <a:t>9 Seiten</a:t>
-            </a:r>
-          </a:p>
-          <a:p>
+              <a:t>Boxen</a:t>
+            </a:r>
+          </a:p>
+          <a:p>
+            <a:pPr marL="285750" indent="-285750">
+              <a:buFont typeface="Arial" panose="020B0604020202020204" pitchFamily="34" charset="0"/>
+              <a:buChar char="•"/>
+            </a:pPr>
             <a:r>
               <a:rPr lang="de-DE" dirty="0" smtClean="0"/>
-              <a:t>Index</a:t>
-            </a:r>
-          </a:p>
-          <a:p>
+              <a:t>7 Sportler</a:t>
+            </a:r>
+          </a:p>
+          <a:p>
+            <a:pPr marL="285750" indent="-285750">
+              <a:buFont typeface="Arial" panose="020B0604020202020204" pitchFamily="34" charset="0"/>
+              <a:buChar char="•"/>
+            </a:pPr>
+            <a:r>
+              <a:rPr lang="de-DE" dirty="0" err="1" smtClean="0"/>
+              <a:t>Kostya</a:t>
+            </a:r>
             <a:r>
               <a:rPr lang="de-DE" dirty="0" smtClean="0"/>
-              <a:t>Individuelle Sportler eine Seite</a:t>
-            </a:r>
-          </a:p>
-          <a:p>
+              <a:t> </a:t>
+            </a:r>
+            <a:r>
+              <a:rPr lang="de-DE" dirty="0" err="1" smtClean="0"/>
+              <a:t>Tszyu</a:t>
+            </a:r>
+            <a:endParaRPr lang="de-DE" dirty="0" smtClean="0"/>
+          </a:p>
+          <a:p>
+            <a:pPr marL="285750" indent="-285750">
+              <a:buFont typeface="Arial" panose="020B0604020202020204" pitchFamily="34" charset="0"/>
+              <a:buChar char="•"/>
+            </a:pPr>
             <a:r>
               <a:rPr lang="de-DE" dirty="0" smtClean="0"/>
-              <a:t>Bilder Galerie</a:t>
-            </a:r>
-          </a:p>
-          <a:p>
+              <a:t>Muhamed Ali</a:t>
+            </a:r>
+          </a:p>
+          <a:p>
+            <a:pPr marL="285750" indent="-285750">
+              <a:buFont typeface="Arial" panose="020B0604020202020204" pitchFamily="34" charset="0"/>
+              <a:buChar char="•"/>
+            </a:pPr>
             <a:r>
               <a:rPr lang="de-DE" dirty="0" smtClean="0"/>
-              <a:t>Formular</a:t>
-            </a:r>
-          </a:p>
-          <a:p>
+              <a:t>Danny Green</a:t>
+            </a:r>
+          </a:p>
+          <a:p>
+            <a:pPr marL="285750" indent="-285750">
+              <a:buFont typeface="Arial" panose="020B0604020202020204" pitchFamily="34" charset="0"/>
+              <a:buChar char="•"/>
+            </a:pPr>
+            <a:r>
+              <a:rPr lang="de-DE" dirty="0" smtClean="0"/>
+              <a:t>Mike Tyson</a:t>
+            </a:r>
+          </a:p>
+          <a:p>
+            <a:pPr marL="285750" indent="-285750">
+              <a:buFont typeface="Arial" panose="020B0604020202020204" pitchFamily="34" charset="0"/>
+              <a:buChar char="•"/>
+            </a:pPr>
+            <a:r>
+              <a:rPr lang="de-DE" dirty="0" err="1" smtClean="0"/>
+              <a:t>Cannelo</a:t>
+            </a:r>
+            <a:r>
+              <a:rPr lang="de-DE" dirty="0" smtClean="0"/>
+              <a:t> Alvarez</a:t>
+            </a:r>
+          </a:p>
+          <a:p>
+            <a:pPr marL="285750" indent="-285750">
+              <a:buFont typeface="Arial" panose="020B0604020202020204" pitchFamily="34" charset="0"/>
+              <a:buChar char="•"/>
+            </a:pPr>
+            <a:r>
+              <a:rPr lang="de-DE" dirty="0" smtClean="0"/>
+              <a:t>Oscar De le </a:t>
+            </a:r>
+            <a:r>
+              <a:rPr lang="de-DE" dirty="0" err="1" smtClean="0"/>
+              <a:t>hoya</a:t>
+            </a:r>
             <a:endParaRPr lang="de-DE" dirty="0" smtClean="0"/>
+          </a:p>
+          <a:p>
+            <a:pPr marL="285750" indent="-285750">
+              <a:buFont typeface="Arial" panose="020B0604020202020204" pitchFamily="34" charset="0"/>
+              <a:buChar char="•"/>
+            </a:pPr>
+            <a:r>
+              <a:rPr lang="de-DE" dirty="0" smtClean="0"/>
+              <a:t>Felix Trinidad</a:t>
+            </a:r>
           </a:p>
           <a:p>
             <a:endParaRPr lang="de-DE" dirty="0"/>
@@ -6571,13 +7703,509 @@
     </p:spTree>
     <p:extLst>
       <p:ext uri="{BB962C8B-B14F-4D97-AF65-F5344CB8AC3E}">
-        <p14:creationId xmlns:p14="http://schemas.microsoft.com/office/powerpoint/2010/main" val="1428357928"/>
+        <p14:creationId xmlns:p14="http://schemas.microsoft.com/office/powerpoint/2010/main" val="3519422880"/>
       </p:ext>
     </p:extLst>
   </p:cSld>
   <p:clrMapOvr>
     <a:masterClrMapping/>
   </p:clrMapOvr>
+  <p:timing>
+    <p:tnLst>
+      <p:par>
+        <p:cTn id="1" dur="indefinite" restart="never" nodeType="tmRoot">
+          <p:childTnLst>
+            <p:seq concurrent="1" nextAc="seek">
+              <p:cTn id="2" dur="indefinite" nodeType="mainSeq">
+                <p:childTnLst>
+                  <p:par>
+                    <p:cTn id="3" fill="hold">
+                      <p:stCondLst>
+                        <p:cond delay="indefinite"/>
+                      </p:stCondLst>
+                      <p:childTnLst>
+                        <p:par>
+                          <p:cTn id="4" fill="hold">
+                            <p:stCondLst>
+                              <p:cond delay="0"/>
+                            </p:stCondLst>
+                            <p:childTnLst>
+                              <p:par>
+                                <p:cTn id="5" presetID="21" presetClass="entr" presetSubtype="1" fill="hold" nodeType="clickEffect">
+                                  <p:stCondLst>
+                                    <p:cond delay="0"/>
+                                  </p:stCondLst>
+                                  <p:childTnLst>
+                                    <p:set>
+                                      <p:cBhvr>
+                                        <p:cTn id="6" dur="1" fill="hold">
+                                          <p:stCondLst>
+                                            <p:cond delay="0"/>
+                                          </p:stCondLst>
+                                        </p:cTn>
+                                        <p:tgtEl>
+                                          <p:spTgt spid="2">
+                                            <p:txEl>
+                                              <p:pRg st="0" end="0"/>
+                                            </p:txEl>
+                                          </p:spTgt>
+                                        </p:tgtEl>
+                                        <p:attrNameLst>
+                                          <p:attrName>style.visibility</p:attrName>
+                                        </p:attrNameLst>
+                                      </p:cBhvr>
+                                      <p:to>
+                                        <p:strVal val="visible"/>
+                                      </p:to>
+                                    </p:set>
+                                    <p:animEffect transition="in" filter="wheel(1)">
+                                      <p:cBhvr>
+                                        <p:cTn id="7" dur="2000"/>
+                                        <p:tgtEl>
+                                          <p:spTgt spid="2">
+                                            <p:txEl>
+                                              <p:pRg st="0" end="0"/>
+                                            </p:txEl>
+                                          </p:spTgt>
+                                        </p:tgtEl>
+                                      </p:cBhvr>
+                                    </p:animEffect>
+                                  </p:childTnLst>
+                                </p:cTn>
+                              </p:par>
+                            </p:childTnLst>
+                          </p:cTn>
+                        </p:par>
+                      </p:childTnLst>
+                    </p:cTn>
+                  </p:par>
+                  <p:par>
+                    <p:cTn id="8" fill="hold">
+                      <p:stCondLst>
+                        <p:cond delay="indefinite"/>
+                      </p:stCondLst>
+                      <p:childTnLst>
+                        <p:par>
+                          <p:cTn id="9" fill="hold">
+                            <p:stCondLst>
+                              <p:cond delay="0"/>
+                            </p:stCondLst>
+                            <p:childTnLst>
+                              <p:par>
+                                <p:cTn id="10" presetID="21" presetClass="entr" presetSubtype="1" fill="hold" nodeType="clickEffect">
+                                  <p:stCondLst>
+                                    <p:cond delay="0"/>
+                                  </p:stCondLst>
+                                  <p:childTnLst>
+                                    <p:set>
+                                      <p:cBhvr>
+                                        <p:cTn id="11" dur="1" fill="hold">
+                                          <p:stCondLst>
+                                            <p:cond delay="0"/>
+                                          </p:stCondLst>
+                                        </p:cTn>
+                                        <p:tgtEl>
+                                          <p:spTgt spid="3">
+                                            <p:txEl>
+                                              <p:pRg st="0" end="0"/>
+                                            </p:txEl>
+                                          </p:spTgt>
+                                        </p:tgtEl>
+                                        <p:attrNameLst>
+                                          <p:attrName>style.visibility</p:attrName>
+                                        </p:attrNameLst>
+                                      </p:cBhvr>
+                                      <p:to>
+                                        <p:strVal val="visible"/>
+                                      </p:to>
+                                    </p:set>
+                                    <p:animEffect transition="in" filter="wheel(1)">
+                                      <p:cBhvr>
+                                        <p:cTn id="12" dur="2000"/>
+                                        <p:tgtEl>
+                                          <p:spTgt spid="3">
+                                            <p:txEl>
+                                              <p:pRg st="0" end="0"/>
+                                            </p:txEl>
+                                          </p:spTgt>
+                                        </p:tgtEl>
+                                      </p:cBhvr>
+                                    </p:animEffect>
+                                  </p:childTnLst>
+                                </p:cTn>
+                              </p:par>
+                              <p:par>
+                                <p:cTn id="13" presetID="21" presetClass="entr" presetSubtype="1" fill="hold" nodeType="withEffect">
+                                  <p:stCondLst>
+                                    <p:cond delay="0"/>
+                                  </p:stCondLst>
+                                  <p:childTnLst>
+                                    <p:set>
+                                      <p:cBhvr>
+                                        <p:cTn id="14" dur="1" fill="hold">
+                                          <p:stCondLst>
+                                            <p:cond delay="0"/>
+                                          </p:stCondLst>
+                                        </p:cTn>
+                                        <p:tgtEl>
+                                          <p:spTgt spid="3">
+                                            <p:txEl>
+                                              <p:pRg st="1" end="1"/>
+                                            </p:txEl>
+                                          </p:spTgt>
+                                        </p:tgtEl>
+                                        <p:attrNameLst>
+                                          <p:attrName>style.visibility</p:attrName>
+                                        </p:attrNameLst>
+                                      </p:cBhvr>
+                                      <p:to>
+                                        <p:strVal val="visible"/>
+                                      </p:to>
+                                    </p:set>
+                                    <p:animEffect transition="in" filter="wheel(1)">
+                                      <p:cBhvr>
+                                        <p:cTn id="15" dur="2000"/>
+                                        <p:tgtEl>
+                                          <p:spTgt spid="3">
+                                            <p:txEl>
+                                              <p:pRg st="1" end="1"/>
+                                            </p:txEl>
+                                          </p:spTgt>
+                                        </p:tgtEl>
+                                      </p:cBhvr>
+                                    </p:animEffect>
+                                  </p:childTnLst>
+                                </p:cTn>
+                              </p:par>
+                              <p:par>
+                                <p:cTn id="16" presetID="21" presetClass="entr" presetSubtype="1" fill="hold" nodeType="withEffect">
+                                  <p:stCondLst>
+                                    <p:cond delay="0"/>
+                                  </p:stCondLst>
+                                  <p:childTnLst>
+                                    <p:set>
+                                      <p:cBhvr>
+                                        <p:cTn id="17" dur="1" fill="hold">
+                                          <p:stCondLst>
+                                            <p:cond delay="0"/>
+                                          </p:stCondLst>
+                                        </p:cTn>
+                                        <p:tgtEl>
+                                          <p:spTgt spid="3">
+                                            <p:txEl>
+                                              <p:pRg st="2" end="2"/>
+                                            </p:txEl>
+                                          </p:spTgt>
+                                        </p:tgtEl>
+                                        <p:attrNameLst>
+                                          <p:attrName>style.visibility</p:attrName>
+                                        </p:attrNameLst>
+                                      </p:cBhvr>
+                                      <p:to>
+                                        <p:strVal val="visible"/>
+                                      </p:to>
+                                    </p:set>
+                                    <p:animEffect transition="in" filter="wheel(1)">
+                                      <p:cBhvr>
+                                        <p:cTn id="18" dur="2000"/>
+                                        <p:tgtEl>
+                                          <p:spTgt spid="3">
+                                            <p:txEl>
+                                              <p:pRg st="2" end="2"/>
+                                            </p:txEl>
+                                          </p:spTgt>
+                                        </p:tgtEl>
+                                      </p:cBhvr>
+                                    </p:animEffect>
+                                  </p:childTnLst>
+                                </p:cTn>
+                              </p:par>
+                              <p:par>
+                                <p:cTn id="19" presetID="21" presetClass="entr" presetSubtype="1" fill="hold" nodeType="withEffect">
+                                  <p:stCondLst>
+                                    <p:cond delay="0"/>
+                                  </p:stCondLst>
+                                  <p:childTnLst>
+                                    <p:set>
+                                      <p:cBhvr>
+                                        <p:cTn id="20" dur="1" fill="hold">
+                                          <p:stCondLst>
+                                            <p:cond delay="0"/>
+                                          </p:stCondLst>
+                                        </p:cTn>
+                                        <p:tgtEl>
+                                          <p:spTgt spid="3">
+                                            <p:txEl>
+                                              <p:pRg st="3" end="3"/>
+                                            </p:txEl>
+                                          </p:spTgt>
+                                        </p:tgtEl>
+                                        <p:attrNameLst>
+                                          <p:attrName>style.visibility</p:attrName>
+                                        </p:attrNameLst>
+                                      </p:cBhvr>
+                                      <p:to>
+                                        <p:strVal val="visible"/>
+                                      </p:to>
+                                    </p:set>
+                                    <p:animEffect transition="in" filter="wheel(1)">
+                                      <p:cBhvr>
+                                        <p:cTn id="21" dur="2000"/>
+                                        <p:tgtEl>
+                                          <p:spTgt spid="3">
+                                            <p:txEl>
+                                              <p:pRg st="3" end="3"/>
+                                            </p:txEl>
+                                          </p:spTgt>
+                                        </p:tgtEl>
+                                      </p:cBhvr>
+                                    </p:animEffect>
+                                  </p:childTnLst>
+                                </p:cTn>
+                              </p:par>
+                              <p:par>
+                                <p:cTn id="22" presetID="21" presetClass="entr" presetSubtype="1" fill="hold" nodeType="withEffect">
+                                  <p:stCondLst>
+                                    <p:cond delay="0"/>
+                                  </p:stCondLst>
+                                  <p:childTnLst>
+                                    <p:set>
+                                      <p:cBhvr>
+                                        <p:cTn id="23" dur="1" fill="hold">
+                                          <p:stCondLst>
+                                            <p:cond delay="0"/>
+                                          </p:stCondLst>
+                                        </p:cTn>
+                                        <p:tgtEl>
+                                          <p:spTgt spid="3">
+                                            <p:txEl>
+                                              <p:pRg st="4" end="4"/>
+                                            </p:txEl>
+                                          </p:spTgt>
+                                        </p:tgtEl>
+                                        <p:attrNameLst>
+                                          <p:attrName>style.visibility</p:attrName>
+                                        </p:attrNameLst>
+                                      </p:cBhvr>
+                                      <p:to>
+                                        <p:strVal val="visible"/>
+                                      </p:to>
+                                    </p:set>
+                                    <p:animEffect transition="in" filter="wheel(1)">
+                                      <p:cBhvr>
+                                        <p:cTn id="24" dur="2000"/>
+                                        <p:tgtEl>
+                                          <p:spTgt spid="3">
+                                            <p:txEl>
+                                              <p:pRg st="4" end="4"/>
+                                            </p:txEl>
+                                          </p:spTgt>
+                                        </p:tgtEl>
+                                      </p:cBhvr>
+                                    </p:animEffect>
+                                  </p:childTnLst>
+                                </p:cTn>
+                              </p:par>
+                              <p:par>
+                                <p:cTn id="25" presetID="21" presetClass="entr" presetSubtype="1" fill="hold" nodeType="withEffect">
+                                  <p:stCondLst>
+                                    <p:cond delay="0"/>
+                                  </p:stCondLst>
+                                  <p:childTnLst>
+                                    <p:set>
+                                      <p:cBhvr>
+                                        <p:cTn id="26" dur="1" fill="hold">
+                                          <p:stCondLst>
+                                            <p:cond delay="0"/>
+                                          </p:stCondLst>
+                                        </p:cTn>
+                                        <p:tgtEl>
+                                          <p:spTgt spid="3">
+                                            <p:txEl>
+                                              <p:pRg st="5" end="5"/>
+                                            </p:txEl>
+                                          </p:spTgt>
+                                        </p:tgtEl>
+                                        <p:attrNameLst>
+                                          <p:attrName>style.visibility</p:attrName>
+                                        </p:attrNameLst>
+                                      </p:cBhvr>
+                                      <p:to>
+                                        <p:strVal val="visible"/>
+                                      </p:to>
+                                    </p:set>
+                                    <p:animEffect transition="in" filter="wheel(1)">
+                                      <p:cBhvr>
+                                        <p:cTn id="27" dur="2000"/>
+                                        <p:tgtEl>
+                                          <p:spTgt spid="3">
+                                            <p:txEl>
+                                              <p:pRg st="5" end="5"/>
+                                            </p:txEl>
+                                          </p:spTgt>
+                                        </p:tgtEl>
+                                      </p:cBhvr>
+                                    </p:animEffect>
+                                  </p:childTnLst>
+                                </p:cTn>
+                              </p:par>
+                              <p:par>
+                                <p:cTn id="28" presetID="21" presetClass="entr" presetSubtype="1" fill="hold" nodeType="withEffect">
+                                  <p:stCondLst>
+                                    <p:cond delay="0"/>
+                                  </p:stCondLst>
+                                  <p:childTnLst>
+                                    <p:set>
+                                      <p:cBhvr>
+                                        <p:cTn id="29" dur="1" fill="hold">
+                                          <p:stCondLst>
+                                            <p:cond delay="0"/>
+                                          </p:stCondLst>
+                                        </p:cTn>
+                                        <p:tgtEl>
+                                          <p:spTgt spid="3">
+                                            <p:txEl>
+                                              <p:pRg st="6" end="6"/>
+                                            </p:txEl>
+                                          </p:spTgt>
+                                        </p:tgtEl>
+                                        <p:attrNameLst>
+                                          <p:attrName>style.visibility</p:attrName>
+                                        </p:attrNameLst>
+                                      </p:cBhvr>
+                                      <p:to>
+                                        <p:strVal val="visible"/>
+                                      </p:to>
+                                    </p:set>
+                                    <p:animEffect transition="in" filter="wheel(1)">
+                                      <p:cBhvr>
+                                        <p:cTn id="30" dur="2000"/>
+                                        <p:tgtEl>
+                                          <p:spTgt spid="3">
+                                            <p:txEl>
+                                              <p:pRg st="6" end="6"/>
+                                            </p:txEl>
+                                          </p:spTgt>
+                                        </p:tgtEl>
+                                      </p:cBhvr>
+                                    </p:animEffect>
+                                  </p:childTnLst>
+                                </p:cTn>
+                              </p:par>
+                              <p:par>
+                                <p:cTn id="31" presetID="21" presetClass="entr" presetSubtype="1" fill="hold" nodeType="withEffect">
+                                  <p:stCondLst>
+                                    <p:cond delay="0"/>
+                                  </p:stCondLst>
+                                  <p:childTnLst>
+                                    <p:set>
+                                      <p:cBhvr>
+                                        <p:cTn id="32" dur="1" fill="hold">
+                                          <p:stCondLst>
+                                            <p:cond delay="0"/>
+                                          </p:stCondLst>
+                                        </p:cTn>
+                                        <p:tgtEl>
+                                          <p:spTgt spid="3">
+                                            <p:txEl>
+                                              <p:pRg st="7" end="7"/>
+                                            </p:txEl>
+                                          </p:spTgt>
+                                        </p:tgtEl>
+                                        <p:attrNameLst>
+                                          <p:attrName>style.visibility</p:attrName>
+                                        </p:attrNameLst>
+                                      </p:cBhvr>
+                                      <p:to>
+                                        <p:strVal val="visible"/>
+                                      </p:to>
+                                    </p:set>
+                                    <p:animEffect transition="in" filter="wheel(1)">
+                                      <p:cBhvr>
+                                        <p:cTn id="33" dur="2000"/>
+                                        <p:tgtEl>
+                                          <p:spTgt spid="3">
+                                            <p:txEl>
+                                              <p:pRg st="7" end="7"/>
+                                            </p:txEl>
+                                          </p:spTgt>
+                                        </p:tgtEl>
+                                      </p:cBhvr>
+                                    </p:animEffect>
+                                  </p:childTnLst>
+                                </p:cTn>
+                              </p:par>
+                              <p:par>
+                                <p:cTn id="34" presetID="21" presetClass="entr" presetSubtype="1" fill="hold" nodeType="withEffect">
+                                  <p:stCondLst>
+                                    <p:cond delay="0"/>
+                                  </p:stCondLst>
+                                  <p:childTnLst>
+                                    <p:set>
+                                      <p:cBhvr>
+                                        <p:cTn id="35" dur="1" fill="hold">
+                                          <p:stCondLst>
+                                            <p:cond delay="0"/>
+                                          </p:stCondLst>
+                                        </p:cTn>
+                                        <p:tgtEl>
+                                          <p:spTgt spid="3">
+                                            <p:txEl>
+                                              <p:pRg st="8" end="8"/>
+                                            </p:txEl>
+                                          </p:spTgt>
+                                        </p:tgtEl>
+                                        <p:attrNameLst>
+                                          <p:attrName>style.visibility</p:attrName>
+                                        </p:attrNameLst>
+                                      </p:cBhvr>
+                                      <p:to>
+                                        <p:strVal val="visible"/>
+                                      </p:to>
+                                    </p:set>
+                                    <p:animEffect transition="in" filter="wheel(1)">
+                                      <p:cBhvr>
+                                        <p:cTn id="36" dur="2000"/>
+                                        <p:tgtEl>
+                                          <p:spTgt spid="3">
+                                            <p:txEl>
+                                              <p:pRg st="8" end="8"/>
+                                            </p:txEl>
+                                          </p:spTgt>
+                                        </p:tgtEl>
+                                      </p:cBhvr>
+                                    </p:animEffect>
+                                  </p:childTnLst>
+                                </p:cTn>
+                              </p:par>
+                            </p:childTnLst>
+                          </p:cTn>
+                        </p:par>
+                      </p:childTnLst>
+                    </p:cTn>
+                  </p:par>
+                </p:childTnLst>
+              </p:cTn>
+              <p:prevCondLst>
+                <p:cond evt="onPrev" delay="0">
+                  <p:tgtEl>
+                    <p:sldTgt/>
+                  </p:tgtEl>
+                </p:cond>
+              </p:prevCondLst>
+              <p:nextCondLst>
+                <p:cond evt="onNext" delay="0">
+                  <p:tgtEl>
+                    <p:sldTgt/>
+                  </p:tgtEl>
+                </p:cond>
+              </p:nextCondLst>
+            </p:seq>
+          </p:childTnLst>
+        </p:cTn>
+      </p:par>
+    </p:tnLst>
+  </p:timing>
 </p:sld>
 </file>
 
